--- a/risk_master_template.pptx
+++ b/risk_master_template.pptx
@@ -205,7 +205,7 @@
           <a:p>
             <a:fld id="{15CDA7C8-B8A0-A848-B74E-D5D904106394}" type="datetimeFigureOut">
               <a:rPr lang="en-US" smtClean="0"/>
-              <a:t>12/5/20</a:t>
+              <a:t>8/24/21</a:t>
             </a:fld>
             <a:endParaRPr lang="en-US"/>
           </a:p>
@@ -489,6 +489,1100 @@
           <a:chExt cx="0" cy="0"/>
         </a:xfrm>
       </p:grpSpPr>
+      <p:graphicFrame>
+        <p:nvGraphicFramePr>
+          <p:cNvPr id="2" name="Table 6">
+            <a:extLst>
+              <a:ext uri="{FF2B5EF4-FFF2-40B4-BE49-F238E27FC236}">
+                <a16:creationId xmlns:a16="http://schemas.microsoft.com/office/drawing/2014/main" id="{EE54B564-48C8-6C4E-B725-F7B788F2C396}"/>
+              </a:ext>
+            </a:extLst>
+          </p:cNvPr>
+          <p:cNvGraphicFramePr>
+            <a:graphicFrameLocks noGrp="1"/>
+          </p:cNvGraphicFramePr>
+          <p:nvPr userDrawn="1">
+            <p:extLst>
+              <p:ext uri="{D42A27DB-BD31-4B8C-83A1-F6EECF244321}">
+                <p14:modId xmlns:p14="http://schemas.microsoft.com/office/powerpoint/2010/main" val="26175378"/>
+              </p:ext>
+            </p:extLst>
+          </p:nvPr>
+        </p:nvGraphicFramePr>
+        <p:xfrm>
+          <a:off x="4598318" y="1252818"/>
+          <a:ext cx="7195664" cy="2632953"/>
+        </p:xfrm>
+        <a:graphic>
+          <a:graphicData uri="http://schemas.openxmlformats.org/drawingml/2006/table">
+            <a:tbl>
+              <a:tblPr firstRow="1" bandRow="1">
+                <a:tableStyleId>{5C22544A-7EE6-4342-B048-85BDC9FD1C3A}</a:tableStyleId>
+              </a:tblPr>
+              <a:tblGrid>
+                <a:gridCol w="949753">
+                  <a:extLst>
+                    <a:ext uri="{9D8B030D-6E8A-4147-A177-3AD203B41FA5}">
+                      <a16:colId xmlns:a16="http://schemas.microsoft.com/office/drawing/2014/main" val="1830853520"/>
+                    </a:ext>
+                  </a:extLst>
+                </a:gridCol>
+                <a:gridCol w="116840">
+                  <a:extLst>
+                    <a:ext uri="{9D8B030D-6E8A-4147-A177-3AD203B41FA5}">
+                      <a16:colId xmlns:a16="http://schemas.microsoft.com/office/drawing/2014/main" val="2885512065"/>
+                    </a:ext>
+                  </a:extLst>
+                </a:gridCol>
+                <a:gridCol w="6129071">
+                  <a:extLst>
+                    <a:ext uri="{9D8B030D-6E8A-4147-A177-3AD203B41FA5}">
+                      <a16:colId xmlns:a16="http://schemas.microsoft.com/office/drawing/2014/main" val="644893874"/>
+                    </a:ext>
+                  </a:extLst>
+                </a:gridCol>
+              </a:tblGrid>
+              <a:tr h="311950">
+                <a:tc gridSpan="3">
+                  <a:txBody>
+                    <a:bodyPr/>
+                    <a:lstStyle/>
+                    <a:p>
+                      <a:pPr marL="0" marR="0" lvl="0" indent="0" algn="ctr" defTabSz="914400" rtl="0" eaLnBrk="1" fontAlgn="auto" latinLnBrk="0" hangingPunct="1">
+                        <a:lnSpc>
+                          <a:spcPct val="90000"/>
+                        </a:lnSpc>
+                        <a:spcBef>
+                          <a:spcPct val="0"/>
+                        </a:spcBef>
+                        <a:spcAft>
+                          <a:spcPts val="0"/>
+                        </a:spcAft>
+                        <a:buClrTx/>
+                        <a:buSzTx/>
+                        <a:buFontTx/>
+                        <a:buNone/>
+                        <a:tabLst/>
+                        <a:defRPr/>
+                      </a:pPr>
+                      <a:r>
+                        <a:rPr kumimoji="0" lang="en-US" sz="1400" b="0" i="0" u="none" strike="noStrike" kern="1200" cap="none" spc="10" normalizeH="0" baseline="0" noProof="0" dirty="0">
+                          <a:ln>
+                            <a:noFill/>
+                          </a:ln>
+                          <a:solidFill>
+                            <a:schemeClr val="bg1"/>
+                          </a:solidFill>
+                          <a:effectLst/>
+                          <a:uLnTx/>
+                          <a:uFillTx/>
+                          <a:latin typeface="Avenir" panose="02000503020000020003" pitchFamily="2" charset="0"/>
+                          <a:ea typeface="+mn-ea"/>
+                          <a:cs typeface="+mn-cs"/>
+                        </a:rPr>
+                        <a:t>Risk Description</a:t>
+                      </a:r>
+                    </a:p>
+                  </a:txBody>
+                  <a:tcPr>
+                    <a:lnL w="12700" cmpd="sng">
+                      <a:noFill/>
+                    </a:lnL>
+                    <a:lnR w="12700" cmpd="sng">
+                      <a:noFill/>
+                    </a:lnR>
+                    <a:lnT w="12700" cmpd="sng">
+                      <a:noFill/>
+                    </a:lnT>
+                    <a:lnB w="38100" cmpd="sng">
+                      <a:noFill/>
+                    </a:lnB>
+                    <a:lnTlToBr w="12700" cmpd="sng">
+                      <a:noFill/>
+                      <a:prstDash val="solid"/>
+                    </a:lnTlToBr>
+                    <a:lnBlToTr w="12700" cmpd="sng">
+                      <a:noFill/>
+                      <a:prstDash val="solid"/>
+                    </a:lnBlToTr>
+                    <a:gradFill>
+                      <a:gsLst>
+                        <a:gs pos="100000">
+                          <a:srgbClr val="FF607F"/>
+                        </a:gs>
+                        <a:gs pos="28000">
+                          <a:srgbClr val="FD034F"/>
+                        </a:gs>
+                      </a:gsLst>
+                      <a:lin ang="16200000" scaled="1"/>
+                    </a:gradFill>
+                  </a:tcPr>
+                </a:tc>
+                <a:tc hMerge="1">
+                  <a:txBody>
+                    <a:bodyPr/>
+                    <a:lstStyle/>
+                    <a:p>
+                      <a:endParaRPr lang="en-US" sz="100" dirty="0"/>
+                    </a:p>
+                  </a:txBody>
+                  <a:tcPr marL="45720" marR="45720"/>
+                </a:tc>
+                <a:tc hMerge="1">
+                  <a:txBody>
+                    <a:bodyPr/>
+                    <a:lstStyle/>
+                    <a:p>
+                      <a:endParaRPr lang="en-US" dirty="0"/>
+                    </a:p>
+                  </a:txBody>
+                  <a:tcPr/>
+                </a:tc>
+                <a:extLst>
+                  <a:ext uri="{0D108BD9-81ED-4DB2-BD59-A6C34878D82A}">
+                    <a16:rowId xmlns:a16="http://schemas.microsoft.com/office/drawing/2014/main" val="362558409"/>
+                  </a:ext>
+                </a:extLst>
+              </a:tr>
+              <a:tr h="118839">
+                <a:tc gridSpan="3">
+                  <a:txBody>
+                    <a:bodyPr/>
+                    <a:lstStyle/>
+                    <a:p>
+                      <a:pPr marL="0" marR="0" lvl="0" indent="0" algn="l" defTabSz="914400" rtl="0" eaLnBrk="1" fontAlgn="auto" latinLnBrk="0" hangingPunct="1">
+                        <a:lnSpc>
+                          <a:spcPct val="90000"/>
+                        </a:lnSpc>
+                        <a:spcBef>
+                          <a:spcPct val="0"/>
+                        </a:spcBef>
+                        <a:spcAft>
+                          <a:spcPts val="0"/>
+                        </a:spcAft>
+                        <a:buClrTx/>
+                        <a:buSzTx/>
+                        <a:buFontTx/>
+                        <a:buNone/>
+                        <a:tabLst/>
+                        <a:defRPr/>
+                      </a:pPr>
+                      <a:endParaRPr kumimoji="0" lang="en-US" sz="100" b="0" i="0" u="none" strike="noStrike" kern="1200" cap="none" spc="0" normalizeH="0" baseline="0" noProof="0" dirty="0">
+                        <a:ln>
+                          <a:noFill/>
+                        </a:ln>
+                        <a:solidFill>
+                          <a:prstClr val="black"/>
+                        </a:solidFill>
+                        <a:effectLst/>
+                        <a:uLnTx/>
+                        <a:uFillTx/>
+                        <a:latin typeface="Avenir Medium" panose="02000503020000020003" pitchFamily="2" charset="0"/>
+                        <a:ea typeface="+mn-ea"/>
+                        <a:cs typeface="+mn-cs"/>
+                      </a:endParaRPr>
+                    </a:p>
+                  </a:txBody>
+                  <a:tcPr marL="45720" marR="45720">
+                    <a:lnL w="12700" cmpd="sng">
+                      <a:noFill/>
+                    </a:lnL>
+                    <a:lnR w="12700" cmpd="sng">
+                      <a:noFill/>
+                    </a:lnR>
+                    <a:lnT w="12700" cmpd="sng">
+                      <a:noFill/>
+                    </a:lnT>
+                    <a:lnB w="6350" cap="flat" cmpd="sng" algn="ctr">
+                      <a:solidFill>
+                        <a:srgbClr val="A7A9B6"/>
+                      </a:solidFill>
+                      <a:prstDash val="solid"/>
+                      <a:round/>
+                      <a:headEnd type="none" w="med" len="med"/>
+                      <a:tailEnd type="none" w="med" len="med"/>
+                    </a:lnB>
+                    <a:lnTlToBr w="12700" cmpd="sng">
+                      <a:noFill/>
+                      <a:prstDash val="solid"/>
+                    </a:lnTlToBr>
+                    <a:lnBlToTr w="12700" cmpd="sng">
+                      <a:noFill/>
+                      <a:prstDash val="solid"/>
+                    </a:lnBlToTr>
+                    <a:noFill/>
+                  </a:tcPr>
+                </a:tc>
+                <a:tc hMerge="1">
+                  <a:txBody>
+                    <a:bodyPr/>
+                    <a:lstStyle/>
+                    <a:p>
+                      <a:endParaRPr lang="en-US"/>
+                    </a:p>
+                  </a:txBody>
+                  <a:tcPr/>
+                </a:tc>
+                <a:tc hMerge="1">
+                  <a:txBody>
+                    <a:bodyPr/>
+                    <a:lstStyle/>
+                    <a:p>
+                      <a:endParaRPr lang="en-US"/>
+                    </a:p>
+                  </a:txBody>
+                  <a:tcPr/>
+                </a:tc>
+                <a:extLst>
+                  <a:ext uri="{0D108BD9-81ED-4DB2-BD59-A6C34878D82A}">
+                    <a16:rowId xmlns:a16="http://schemas.microsoft.com/office/drawing/2014/main" val="2608576556"/>
+                  </a:ext>
+                </a:extLst>
+              </a:tr>
+              <a:tr h="696533">
+                <a:tc>
+                  <a:txBody>
+                    <a:bodyPr/>
+                    <a:lstStyle/>
+                    <a:p>
+                      <a:pPr marL="0" marR="0" lvl="0" indent="0" algn="l" defTabSz="914400" rtl="0" eaLnBrk="1" fontAlgn="auto" latinLnBrk="0" hangingPunct="1">
+                        <a:lnSpc>
+                          <a:spcPct val="100000"/>
+                        </a:lnSpc>
+                        <a:spcBef>
+                          <a:spcPts val="0"/>
+                        </a:spcBef>
+                        <a:spcAft>
+                          <a:spcPts val="0"/>
+                        </a:spcAft>
+                        <a:buClrTx/>
+                        <a:buSzTx/>
+                        <a:buFontTx/>
+                        <a:buNone/>
+                        <a:tabLst/>
+                        <a:defRPr/>
+                      </a:pPr>
+                      <a:r>
+                        <a:rPr lang="en-US" sz="1200" kern="1200" spc="20" dirty="0">
+                          <a:solidFill>
+                            <a:schemeClr val="tx1"/>
+                          </a:solidFill>
+                          <a:latin typeface="Avenir Book" panose="02000503020000020003" pitchFamily="2" charset="0"/>
+                          <a:ea typeface="+mn-ea"/>
+                          <a:cs typeface="+mn-cs"/>
+                        </a:rPr>
+                        <a:t>◆ Cause:</a:t>
+                      </a:r>
+                    </a:p>
+                  </a:txBody>
+                  <a:tcPr anchor="ctr">
+                    <a:lnL w="6350" cap="flat" cmpd="sng" algn="ctr">
+                      <a:solidFill>
+                        <a:srgbClr val="A7A9B6"/>
+                      </a:solidFill>
+                      <a:prstDash val="solid"/>
+                      <a:round/>
+                      <a:headEnd type="none" w="med" len="med"/>
+                      <a:tailEnd type="none" w="med" len="med"/>
+                    </a:lnL>
+                    <a:lnR w="12700" cmpd="sng">
+                      <a:noFill/>
+                    </a:lnR>
+                    <a:lnT w="6350" cap="flat" cmpd="sng" algn="ctr">
+                      <a:solidFill>
+                        <a:srgbClr val="A7A9B6"/>
+                      </a:solidFill>
+                      <a:prstDash val="solid"/>
+                      <a:round/>
+                      <a:headEnd type="none" w="med" len="med"/>
+                      <a:tailEnd type="none" w="med" len="med"/>
+                    </a:lnT>
+                    <a:lnB w="6350" cap="flat" cmpd="sng" algn="ctr">
+                      <a:solidFill>
+                        <a:srgbClr val="A7A9B6"/>
+                      </a:solidFill>
+                      <a:prstDash val="solid"/>
+                      <a:round/>
+                      <a:headEnd type="none" w="med" len="med"/>
+                      <a:tailEnd type="none" w="med" len="med"/>
+                    </a:lnB>
+                    <a:lnTlToBr w="12700" cmpd="sng">
+                      <a:noFill/>
+                      <a:prstDash val="solid"/>
+                    </a:lnTlToBr>
+                    <a:lnBlToTr w="12700" cmpd="sng">
+                      <a:noFill/>
+                      <a:prstDash val="solid"/>
+                    </a:lnBlToTr>
+                    <a:solidFill>
+                      <a:srgbClr val="E3E3E8"/>
+                    </a:solidFill>
+                  </a:tcPr>
+                </a:tc>
+                <a:tc>
+                  <a:txBody>
+                    <a:bodyPr/>
+                    <a:lstStyle/>
+                    <a:p>
+                      <a:endParaRPr lang="en-US" sz="100" dirty="0"/>
+                    </a:p>
+                  </a:txBody>
+                  <a:tcPr marL="45720" marR="45720">
+                    <a:lnL w="12700" cmpd="sng">
+                      <a:noFill/>
+                    </a:lnL>
+                    <a:lnR w="12700" cmpd="sng">
+                      <a:noFill/>
+                    </a:lnR>
+                    <a:lnT w="6350" cap="flat" cmpd="sng" algn="ctr">
+                      <a:solidFill>
+                        <a:srgbClr val="A7A9B6"/>
+                      </a:solidFill>
+                      <a:prstDash val="solid"/>
+                      <a:round/>
+                      <a:headEnd type="none" w="med" len="med"/>
+                      <a:tailEnd type="none" w="med" len="med"/>
+                    </a:lnT>
+                    <a:lnB w="6350" cap="flat" cmpd="sng" algn="ctr">
+                      <a:solidFill>
+                        <a:srgbClr val="A7A9B6"/>
+                      </a:solidFill>
+                      <a:prstDash val="solid"/>
+                      <a:round/>
+                      <a:headEnd type="none" w="med" len="med"/>
+                      <a:tailEnd type="none" w="med" len="med"/>
+                    </a:lnB>
+                    <a:lnTlToBr w="12700" cmpd="sng">
+                      <a:noFill/>
+                      <a:prstDash val="solid"/>
+                    </a:lnTlToBr>
+                    <a:lnBlToTr w="12700" cmpd="sng">
+                      <a:noFill/>
+                      <a:prstDash val="solid"/>
+                    </a:lnBlToTr>
+                    <a:noFill/>
+                  </a:tcPr>
+                </a:tc>
+                <a:tc>
+                  <a:txBody>
+                    <a:bodyPr/>
+                    <a:lstStyle/>
+                    <a:p>
+                      <a:endParaRPr lang="en-US" dirty="0"/>
+                    </a:p>
+                  </a:txBody>
+                  <a:tcPr>
+                    <a:lnL w="12700" cmpd="sng">
+                      <a:noFill/>
+                    </a:lnL>
+                    <a:lnR w="6350" cap="flat" cmpd="sng" algn="ctr">
+                      <a:solidFill>
+                        <a:srgbClr val="A7A9B6"/>
+                      </a:solidFill>
+                      <a:prstDash val="solid"/>
+                      <a:round/>
+                      <a:headEnd type="none" w="med" len="med"/>
+                      <a:tailEnd type="none" w="med" len="med"/>
+                    </a:lnR>
+                    <a:lnT w="6350" cap="flat" cmpd="sng" algn="ctr">
+                      <a:solidFill>
+                        <a:srgbClr val="A7A9B6"/>
+                      </a:solidFill>
+                      <a:prstDash val="solid"/>
+                      <a:round/>
+                      <a:headEnd type="none" w="med" len="med"/>
+                      <a:tailEnd type="none" w="med" len="med"/>
+                    </a:lnT>
+                    <a:lnB w="6350" cap="flat" cmpd="sng" algn="ctr">
+                      <a:solidFill>
+                        <a:srgbClr val="A7A9B6"/>
+                      </a:solidFill>
+                      <a:prstDash val="solid"/>
+                      <a:round/>
+                      <a:headEnd type="none" w="med" len="med"/>
+                      <a:tailEnd type="none" w="med" len="med"/>
+                    </a:lnB>
+                    <a:lnTlToBr w="12700" cmpd="sng">
+                      <a:noFill/>
+                      <a:prstDash val="solid"/>
+                    </a:lnTlToBr>
+                    <a:lnBlToTr w="12700" cmpd="sng">
+                      <a:noFill/>
+                      <a:prstDash val="solid"/>
+                    </a:lnBlToTr>
+                    <a:noFill/>
+                  </a:tcPr>
+                </a:tc>
+                <a:extLst>
+                  <a:ext uri="{0D108BD9-81ED-4DB2-BD59-A6C34878D82A}">
+                    <a16:rowId xmlns:a16="http://schemas.microsoft.com/office/drawing/2014/main" val="1477909435"/>
+                  </a:ext>
+                </a:extLst>
+              </a:tr>
+              <a:tr h="57647">
+                <a:tc>
+                  <a:txBody>
+                    <a:bodyPr/>
+                    <a:lstStyle/>
+                    <a:p>
+                      <a:endParaRPr lang="en-US" sz="100" dirty="0">
+                        <a:solidFill>
+                          <a:schemeClr val="tx1"/>
+                        </a:solidFill>
+                      </a:endParaRPr>
+                    </a:p>
+                  </a:txBody>
+                  <a:tcPr marL="45720" marR="45720" marT="0" marB="0" anchor="ctr">
+                    <a:lnL w="12700" cmpd="sng">
+                      <a:noFill/>
+                    </a:lnL>
+                    <a:lnR w="12700" cmpd="sng">
+                      <a:noFill/>
+                    </a:lnR>
+                    <a:lnT w="6350" cap="flat" cmpd="sng" algn="ctr">
+                      <a:solidFill>
+                        <a:srgbClr val="A7A9B6"/>
+                      </a:solidFill>
+                      <a:prstDash val="solid"/>
+                      <a:round/>
+                      <a:headEnd type="none" w="med" len="med"/>
+                      <a:tailEnd type="none" w="med" len="med"/>
+                    </a:lnT>
+                    <a:lnB w="6350" cap="flat" cmpd="sng" algn="ctr">
+                      <a:solidFill>
+                        <a:srgbClr val="A7A9B6"/>
+                      </a:solidFill>
+                      <a:prstDash val="solid"/>
+                      <a:round/>
+                      <a:headEnd type="none" w="med" len="med"/>
+                      <a:tailEnd type="none" w="med" len="med"/>
+                    </a:lnB>
+                    <a:lnTlToBr w="12700" cmpd="sng">
+                      <a:noFill/>
+                      <a:prstDash val="solid"/>
+                    </a:lnTlToBr>
+                    <a:lnBlToTr w="12700" cmpd="sng">
+                      <a:noFill/>
+                      <a:prstDash val="solid"/>
+                    </a:lnBlToTr>
+                    <a:noFill/>
+                  </a:tcPr>
+                </a:tc>
+                <a:tc>
+                  <a:txBody>
+                    <a:bodyPr/>
+                    <a:lstStyle/>
+                    <a:p>
+                      <a:endParaRPr lang="en-US" sz="100" dirty="0"/>
+                    </a:p>
+                  </a:txBody>
+                  <a:tcPr marL="45720" marR="45720" marT="0" marB="0">
+                    <a:lnL w="12700" cmpd="sng">
+                      <a:noFill/>
+                    </a:lnL>
+                    <a:lnR w="12700" cmpd="sng">
+                      <a:noFill/>
+                    </a:lnR>
+                    <a:lnT w="6350" cap="flat" cmpd="sng" algn="ctr">
+                      <a:solidFill>
+                        <a:srgbClr val="A7A9B6"/>
+                      </a:solidFill>
+                      <a:prstDash val="solid"/>
+                      <a:round/>
+                      <a:headEnd type="none" w="med" len="med"/>
+                      <a:tailEnd type="none" w="med" len="med"/>
+                    </a:lnT>
+                    <a:lnB w="6350" cap="flat" cmpd="sng" algn="ctr">
+                      <a:solidFill>
+                        <a:srgbClr val="A7A9B6"/>
+                      </a:solidFill>
+                      <a:prstDash val="solid"/>
+                      <a:round/>
+                      <a:headEnd type="none" w="med" len="med"/>
+                      <a:tailEnd type="none" w="med" len="med"/>
+                    </a:lnB>
+                    <a:lnTlToBr w="12700" cmpd="sng">
+                      <a:noFill/>
+                      <a:prstDash val="solid"/>
+                    </a:lnTlToBr>
+                    <a:lnBlToTr w="12700" cmpd="sng">
+                      <a:noFill/>
+                      <a:prstDash val="solid"/>
+                    </a:lnBlToTr>
+                    <a:noFill/>
+                  </a:tcPr>
+                </a:tc>
+                <a:tc>
+                  <a:txBody>
+                    <a:bodyPr/>
+                    <a:lstStyle/>
+                    <a:p>
+                      <a:endParaRPr lang="en-US" sz="100" dirty="0"/>
+                    </a:p>
+                  </a:txBody>
+                  <a:tcPr marL="45720" marR="45720" marT="0" marB="0">
+                    <a:lnL w="12700" cmpd="sng">
+                      <a:noFill/>
+                    </a:lnL>
+                    <a:lnR w="12700" cmpd="sng">
+                      <a:noFill/>
+                    </a:lnR>
+                    <a:lnT w="6350" cap="flat" cmpd="sng" algn="ctr">
+                      <a:solidFill>
+                        <a:srgbClr val="A7A9B6"/>
+                      </a:solidFill>
+                      <a:prstDash val="solid"/>
+                      <a:round/>
+                      <a:headEnd type="none" w="med" len="med"/>
+                      <a:tailEnd type="none" w="med" len="med"/>
+                    </a:lnT>
+                    <a:lnB w="6350" cap="flat" cmpd="sng" algn="ctr">
+                      <a:solidFill>
+                        <a:srgbClr val="A7A9B6"/>
+                      </a:solidFill>
+                      <a:prstDash val="solid"/>
+                      <a:round/>
+                      <a:headEnd type="none" w="med" len="med"/>
+                      <a:tailEnd type="none" w="med" len="med"/>
+                    </a:lnB>
+                    <a:lnTlToBr w="12700" cmpd="sng">
+                      <a:noFill/>
+                      <a:prstDash val="solid"/>
+                    </a:lnTlToBr>
+                    <a:lnBlToTr w="12700" cmpd="sng">
+                      <a:noFill/>
+                      <a:prstDash val="solid"/>
+                    </a:lnBlToTr>
+                    <a:noFill/>
+                  </a:tcPr>
+                </a:tc>
+                <a:extLst>
+                  <a:ext uri="{0D108BD9-81ED-4DB2-BD59-A6C34878D82A}">
+                    <a16:rowId xmlns:a16="http://schemas.microsoft.com/office/drawing/2014/main" val="2278569660"/>
+                  </a:ext>
+                </a:extLst>
+              </a:tr>
+              <a:tr h="696533">
+                <a:tc>
+                  <a:txBody>
+                    <a:bodyPr/>
+                    <a:lstStyle/>
+                    <a:p>
+                      <a:pPr marL="0" marR="0" lvl="0" indent="0" algn="l" defTabSz="914400" rtl="0" eaLnBrk="1" fontAlgn="auto" latinLnBrk="0" hangingPunct="1">
+                        <a:lnSpc>
+                          <a:spcPct val="100000"/>
+                        </a:lnSpc>
+                        <a:spcBef>
+                          <a:spcPts val="0"/>
+                        </a:spcBef>
+                        <a:spcAft>
+                          <a:spcPts val="0"/>
+                        </a:spcAft>
+                        <a:buClrTx/>
+                        <a:buSzTx/>
+                        <a:buFontTx/>
+                        <a:buNone/>
+                        <a:tabLst/>
+                        <a:defRPr/>
+                      </a:pPr>
+                      <a:r>
+                        <a:rPr lang="en-US" sz="1200" kern="1200" spc="20" noProof="0" dirty="0">
+                          <a:solidFill>
+                            <a:schemeClr val="tx1"/>
+                          </a:solidFill>
+                          <a:latin typeface="Avenir Book" panose="02000503020000020003" pitchFamily="2" charset="0"/>
+                          <a:ea typeface="+mn-ea"/>
+                          <a:cs typeface="+mn-cs"/>
+                        </a:rPr>
+                        <a:t>◆ Effect:</a:t>
+                      </a:r>
+                    </a:p>
+                  </a:txBody>
+                  <a:tcPr anchor="ctr">
+                    <a:lnL w="6350" cap="flat" cmpd="sng" algn="ctr">
+                      <a:solidFill>
+                        <a:srgbClr val="A7A9B6"/>
+                      </a:solidFill>
+                      <a:prstDash val="solid"/>
+                      <a:round/>
+                      <a:headEnd type="none" w="med" len="med"/>
+                      <a:tailEnd type="none" w="med" len="med"/>
+                    </a:lnL>
+                    <a:lnR w="12700" cmpd="sng">
+                      <a:noFill/>
+                    </a:lnR>
+                    <a:lnT w="6350" cap="flat" cmpd="sng" algn="ctr">
+                      <a:solidFill>
+                        <a:srgbClr val="A7A9B6"/>
+                      </a:solidFill>
+                      <a:prstDash val="solid"/>
+                      <a:round/>
+                      <a:headEnd type="none" w="med" len="med"/>
+                      <a:tailEnd type="none" w="med" len="med"/>
+                    </a:lnT>
+                    <a:lnB w="6350" cap="flat" cmpd="sng" algn="ctr">
+                      <a:solidFill>
+                        <a:srgbClr val="A7A9B6"/>
+                      </a:solidFill>
+                      <a:prstDash val="solid"/>
+                      <a:round/>
+                      <a:headEnd type="none" w="med" len="med"/>
+                      <a:tailEnd type="none" w="med" len="med"/>
+                    </a:lnB>
+                    <a:lnTlToBr w="12700" cmpd="sng">
+                      <a:noFill/>
+                      <a:prstDash val="solid"/>
+                    </a:lnTlToBr>
+                    <a:lnBlToTr w="12700" cmpd="sng">
+                      <a:noFill/>
+                      <a:prstDash val="solid"/>
+                    </a:lnBlToTr>
+                    <a:solidFill>
+                      <a:srgbClr val="E3E3E8"/>
+                    </a:solidFill>
+                  </a:tcPr>
+                </a:tc>
+                <a:tc>
+                  <a:txBody>
+                    <a:bodyPr/>
+                    <a:lstStyle/>
+                    <a:p>
+                      <a:endParaRPr lang="en-US" sz="100" dirty="0"/>
+                    </a:p>
+                  </a:txBody>
+                  <a:tcPr marL="45720" marR="45720">
+                    <a:lnL w="12700" cmpd="sng">
+                      <a:noFill/>
+                    </a:lnL>
+                    <a:lnR w="12700" cmpd="sng">
+                      <a:noFill/>
+                    </a:lnR>
+                    <a:lnT w="6350" cap="flat" cmpd="sng" algn="ctr">
+                      <a:solidFill>
+                        <a:srgbClr val="A7A9B6"/>
+                      </a:solidFill>
+                      <a:prstDash val="solid"/>
+                      <a:round/>
+                      <a:headEnd type="none" w="med" len="med"/>
+                      <a:tailEnd type="none" w="med" len="med"/>
+                    </a:lnT>
+                    <a:lnB w="6350" cap="flat" cmpd="sng" algn="ctr">
+                      <a:solidFill>
+                        <a:srgbClr val="A7A9B6"/>
+                      </a:solidFill>
+                      <a:prstDash val="solid"/>
+                      <a:round/>
+                      <a:headEnd type="none" w="med" len="med"/>
+                      <a:tailEnd type="none" w="med" len="med"/>
+                    </a:lnB>
+                    <a:lnTlToBr w="12700" cmpd="sng">
+                      <a:noFill/>
+                      <a:prstDash val="solid"/>
+                    </a:lnTlToBr>
+                    <a:lnBlToTr w="12700" cmpd="sng">
+                      <a:noFill/>
+                      <a:prstDash val="solid"/>
+                    </a:lnBlToTr>
+                    <a:noFill/>
+                  </a:tcPr>
+                </a:tc>
+                <a:tc>
+                  <a:txBody>
+                    <a:bodyPr/>
+                    <a:lstStyle/>
+                    <a:p>
+                      <a:endParaRPr lang="en-US" dirty="0"/>
+                    </a:p>
+                  </a:txBody>
+                  <a:tcPr>
+                    <a:lnL w="12700" cmpd="sng">
+                      <a:noFill/>
+                    </a:lnL>
+                    <a:lnR w="6350" cap="flat" cmpd="sng" algn="ctr">
+                      <a:solidFill>
+                        <a:srgbClr val="A7A9B6"/>
+                      </a:solidFill>
+                      <a:prstDash val="solid"/>
+                      <a:round/>
+                      <a:headEnd type="none" w="med" len="med"/>
+                      <a:tailEnd type="none" w="med" len="med"/>
+                    </a:lnR>
+                    <a:lnT w="6350" cap="flat" cmpd="sng" algn="ctr">
+                      <a:solidFill>
+                        <a:srgbClr val="A7A9B6"/>
+                      </a:solidFill>
+                      <a:prstDash val="solid"/>
+                      <a:round/>
+                      <a:headEnd type="none" w="med" len="med"/>
+                      <a:tailEnd type="none" w="med" len="med"/>
+                    </a:lnT>
+                    <a:lnB w="6350" cap="flat" cmpd="sng" algn="ctr">
+                      <a:solidFill>
+                        <a:srgbClr val="A7A9B6"/>
+                      </a:solidFill>
+                      <a:prstDash val="solid"/>
+                      <a:round/>
+                      <a:headEnd type="none" w="med" len="med"/>
+                      <a:tailEnd type="none" w="med" len="med"/>
+                    </a:lnB>
+                    <a:lnTlToBr w="12700" cmpd="sng">
+                      <a:noFill/>
+                      <a:prstDash val="solid"/>
+                    </a:lnTlToBr>
+                    <a:lnBlToTr w="12700" cmpd="sng">
+                      <a:noFill/>
+                      <a:prstDash val="solid"/>
+                    </a:lnBlToTr>
+                    <a:noFill/>
+                  </a:tcPr>
+                </a:tc>
+                <a:extLst>
+                  <a:ext uri="{0D108BD9-81ED-4DB2-BD59-A6C34878D82A}">
+                    <a16:rowId xmlns:a16="http://schemas.microsoft.com/office/drawing/2014/main" val="680658404"/>
+                  </a:ext>
+                </a:extLst>
+              </a:tr>
+              <a:tr h="54918">
+                <a:tc>
+                  <a:txBody>
+                    <a:bodyPr/>
+                    <a:lstStyle/>
+                    <a:p>
+                      <a:endParaRPr lang="en-US" sz="100" dirty="0">
+                        <a:solidFill>
+                          <a:schemeClr val="tx1"/>
+                        </a:solidFill>
+                      </a:endParaRPr>
+                    </a:p>
+                  </a:txBody>
+                  <a:tcPr marL="0" marR="0" marT="0" marB="0" anchor="ctr">
+                    <a:lnL w="12700" cmpd="sng">
+                      <a:noFill/>
+                    </a:lnL>
+                    <a:lnR w="12700" cmpd="sng">
+                      <a:noFill/>
+                    </a:lnR>
+                    <a:lnT w="6350" cap="flat" cmpd="sng" algn="ctr">
+                      <a:solidFill>
+                        <a:srgbClr val="A7A9B6"/>
+                      </a:solidFill>
+                      <a:prstDash val="solid"/>
+                      <a:round/>
+                      <a:headEnd type="none" w="med" len="med"/>
+                      <a:tailEnd type="none" w="med" len="med"/>
+                    </a:lnT>
+                    <a:lnB w="6350" cap="flat" cmpd="sng" algn="ctr">
+                      <a:solidFill>
+                        <a:srgbClr val="A7A9B6"/>
+                      </a:solidFill>
+                      <a:prstDash val="solid"/>
+                      <a:round/>
+                      <a:headEnd type="none" w="med" len="med"/>
+                      <a:tailEnd type="none" w="med" len="med"/>
+                    </a:lnB>
+                    <a:lnTlToBr w="12700" cmpd="sng">
+                      <a:noFill/>
+                      <a:prstDash val="solid"/>
+                    </a:lnTlToBr>
+                    <a:lnBlToTr w="12700" cmpd="sng">
+                      <a:noFill/>
+                      <a:prstDash val="solid"/>
+                    </a:lnBlToTr>
+                    <a:noFill/>
+                  </a:tcPr>
+                </a:tc>
+                <a:tc>
+                  <a:txBody>
+                    <a:bodyPr/>
+                    <a:lstStyle/>
+                    <a:p>
+                      <a:endParaRPr lang="en-US" sz="100"/>
+                    </a:p>
+                  </a:txBody>
+                  <a:tcPr marL="0" marR="0" marT="0" marB="0">
+                    <a:lnL w="12700" cmpd="sng">
+                      <a:noFill/>
+                    </a:lnL>
+                    <a:lnR w="12700" cmpd="sng">
+                      <a:noFill/>
+                    </a:lnR>
+                    <a:lnT w="6350" cap="flat" cmpd="sng" algn="ctr">
+                      <a:solidFill>
+                        <a:srgbClr val="A7A9B6"/>
+                      </a:solidFill>
+                      <a:prstDash val="solid"/>
+                      <a:round/>
+                      <a:headEnd type="none" w="med" len="med"/>
+                      <a:tailEnd type="none" w="med" len="med"/>
+                    </a:lnT>
+                    <a:lnB w="6350" cap="flat" cmpd="sng" algn="ctr">
+                      <a:solidFill>
+                        <a:srgbClr val="A7A9B6"/>
+                      </a:solidFill>
+                      <a:prstDash val="solid"/>
+                      <a:round/>
+                      <a:headEnd type="none" w="med" len="med"/>
+                      <a:tailEnd type="none" w="med" len="med"/>
+                    </a:lnB>
+                    <a:lnTlToBr w="12700" cmpd="sng">
+                      <a:noFill/>
+                      <a:prstDash val="solid"/>
+                    </a:lnTlToBr>
+                    <a:lnBlToTr w="12700" cmpd="sng">
+                      <a:noFill/>
+                      <a:prstDash val="solid"/>
+                    </a:lnBlToTr>
+                    <a:noFill/>
+                  </a:tcPr>
+                </a:tc>
+                <a:tc>
+                  <a:txBody>
+                    <a:bodyPr/>
+                    <a:lstStyle/>
+                    <a:p>
+                      <a:endParaRPr lang="en-US" sz="100" dirty="0"/>
+                    </a:p>
+                  </a:txBody>
+                  <a:tcPr marL="0" marR="0" marT="0" marB="0">
+                    <a:lnL w="12700" cmpd="sng">
+                      <a:noFill/>
+                    </a:lnL>
+                    <a:lnR w="12700" cmpd="sng">
+                      <a:noFill/>
+                    </a:lnR>
+                    <a:lnT w="6350" cap="flat" cmpd="sng" algn="ctr">
+                      <a:solidFill>
+                        <a:srgbClr val="A7A9B6"/>
+                      </a:solidFill>
+                      <a:prstDash val="solid"/>
+                      <a:round/>
+                      <a:headEnd type="none" w="med" len="med"/>
+                      <a:tailEnd type="none" w="med" len="med"/>
+                    </a:lnT>
+                    <a:lnB w="6350" cap="flat" cmpd="sng" algn="ctr">
+                      <a:solidFill>
+                        <a:srgbClr val="A7A9B6"/>
+                      </a:solidFill>
+                      <a:prstDash val="solid"/>
+                      <a:round/>
+                      <a:headEnd type="none" w="med" len="med"/>
+                      <a:tailEnd type="none" w="med" len="med"/>
+                    </a:lnB>
+                    <a:lnTlToBr w="12700" cmpd="sng">
+                      <a:noFill/>
+                      <a:prstDash val="solid"/>
+                    </a:lnTlToBr>
+                    <a:lnBlToTr w="12700" cmpd="sng">
+                      <a:noFill/>
+                      <a:prstDash val="solid"/>
+                    </a:lnBlToTr>
+                    <a:noFill/>
+                  </a:tcPr>
+                </a:tc>
+                <a:extLst>
+                  <a:ext uri="{0D108BD9-81ED-4DB2-BD59-A6C34878D82A}">
+                    <a16:rowId xmlns:a16="http://schemas.microsoft.com/office/drawing/2014/main" val="1800874341"/>
+                  </a:ext>
+                </a:extLst>
+              </a:tr>
+              <a:tr h="696533">
+                <a:tc>
+                  <a:txBody>
+                    <a:bodyPr/>
+                    <a:lstStyle/>
+                    <a:p>
+                      <a:pPr marL="0" marR="0" lvl="0" indent="0" algn="l" defTabSz="914400" rtl="0" eaLnBrk="1" fontAlgn="auto" latinLnBrk="0" hangingPunct="1">
+                        <a:lnSpc>
+                          <a:spcPct val="100000"/>
+                        </a:lnSpc>
+                        <a:spcBef>
+                          <a:spcPts val="0"/>
+                        </a:spcBef>
+                        <a:spcAft>
+                          <a:spcPts val="0"/>
+                        </a:spcAft>
+                        <a:buClrTx/>
+                        <a:buSzTx/>
+                        <a:buFontTx/>
+                        <a:buNone/>
+                        <a:tabLst/>
+                        <a:defRPr/>
+                      </a:pPr>
+                      <a:r>
+                        <a:rPr lang="en-US" sz="1200" kern="1200" spc="20" noProof="0" dirty="0">
+                          <a:solidFill>
+                            <a:schemeClr val="tx1"/>
+                          </a:solidFill>
+                          <a:latin typeface="Avenir Book" panose="02000503020000020003" pitchFamily="2" charset="0"/>
+                          <a:ea typeface="+mn-ea"/>
+                          <a:cs typeface="+mn-cs"/>
+                        </a:rPr>
+                        <a:t>◆ Impact:</a:t>
+                      </a:r>
+                      <a:endParaRPr kumimoji="0" lang="en-US" sz="1400" b="0" i="0" u="none" strike="noStrike" kern="1200" cap="none" spc="10" normalizeH="0" baseline="0" noProof="0" dirty="0">
+                        <a:ln>
+                          <a:noFill/>
+                        </a:ln>
+                        <a:solidFill>
+                          <a:schemeClr val="tx1"/>
+                        </a:solidFill>
+                        <a:effectLst/>
+                        <a:uLnTx/>
+                        <a:uFillTx/>
+                        <a:latin typeface="Avenir" panose="02000503020000020003" pitchFamily="2" charset="0"/>
+                        <a:ea typeface="+mn-ea"/>
+                        <a:cs typeface="+mn-cs"/>
+                      </a:endParaRPr>
+                    </a:p>
+                  </a:txBody>
+                  <a:tcPr anchor="ctr">
+                    <a:lnL w="6350" cap="flat" cmpd="sng" algn="ctr">
+                      <a:solidFill>
+                        <a:srgbClr val="A7A9B6"/>
+                      </a:solidFill>
+                      <a:prstDash val="solid"/>
+                      <a:round/>
+                      <a:headEnd type="none" w="med" len="med"/>
+                      <a:tailEnd type="none" w="med" len="med"/>
+                    </a:lnL>
+                    <a:lnR w="12700" cmpd="sng">
+                      <a:noFill/>
+                    </a:lnR>
+                    <a:lnT w="6350" cap="flat" cmpd="sng" algn="ctr">
+                      <a:solidFill>
+                        <a:srgbClr val="A7A9B6"/>
+                      </a:solidFill>
+                      <a:prstDash val="solid"/>
+                      <a:round/>
+                      <a:headEnd type="none" w="med" len="med"/>
+                      <a:tailEnd type="none" w="med" len="med"/>
+                    </a:lnT>
+                    <a:lnB w="6350" cap="flat" cmpd="sng" algn="ctr">
+                      <a:solidFill>
+                        <a:srgbClr val="A7A9B6"/>
+                      </a:solidFill>
+                      <a:prstDash val="solid"/>
+                      <a:round/>
+                      <a:headEnd type="none" w="med" len="med"/>
+                      <a:tailEnd type="none" w="med" len="med"/>
+                    </a:lnB>
+                    <a:lnTlToBr w="12700" cmpd="sng">
+                      <a:noFill/>
+                      <a:prstDash val="solid"/>
+                    </a:lnTlToBr>
+                    <a:lnBlToTr w="12700" cmpd="sng">
+                      <a:noFill/>
+                      <a:prstDash val="solid"/>
+                    </a:lnBlToTr>
+                    <a:solidFill>
+                      <a:srgbClr val="E3E3E8"/>
+                    </a:solidFill>
+                  </a:tcPr>
+                </a:tc>
+                <a:tc>
+                  <a:txBody>
+                    <a:bodyPr/>
+                    <a:lstStyle/>
+                    <a:p>
+                      <a:endParaRPr lang="en-US" sz="100" dirty="0"/>
+                    </a:p>
+                  </a:txBody>
+                  <a:tcPr marL="45720" marR="45720">
+                    <a:lnL w="12700" cmpd="sng">
+                      <a:noFill/>
+                    </a:lnL>
+                    <a:lnR w="12700" cmpd="sng">
+                      <a:noFill/>
+                    </a:lnR>
+                    <a:lnT w="6350" cap="flat" cmpd="sng" algn="ctr">
+                      <a:solidFill>
+                        <a:srgbClr val="A7A9B6"/>
+                      </a:solidFill>
+                      <a:prstDash val="solid"/>
+                      <a:round/>
+                      <a:headEnd type="none" w="med" len="med"/>
+                      <a:tailEnd type="none" w="med" len="med"/>
+                    </a:lnT>
+                    <a:lnB w="6350" cap="flat" cmpd="sng" algn="ctr">
+                      <a:solidFill>
+                        <a:srgbClr val="A7A9B6"/>
+                      </a:solidFill>
+                      <a:prstDash val="solid"/>
+                      <a:round/>
+                      <a:headEnd type="none" w="med" len="med"/>
+                      <a:tailEnd type="none" w="med" len="med"/>
+                    </a:lnB>
+                    <a:lnTlToBr w="12700" cmpd="sng">
+                      <a:noFill/>
+                      <a:prstDash val="solid"/>
+                    </a:lnTlToBr>
+                    <a:lnBlToTr w="12700" cmpd="sng">
+                      <a:noFill/>
+                      <a:prstDash val="solid"/>
+                    </a:lnBlToTr>
+                    <a:noFill/>
+                  </a:tcPr>
+                </a:tc>
+                <a:tc>
+                  <a:txBody>
+                    <a:bodyPr/>
+                    <a:lstStyle/>
+                    <a:p>
+                      <a:endParaRPr lang="en-US" dirty="0"/>
+                    </a:p>
+                  </a:txBody>
+                  <a:tcPr>
+                    <a:lnL w="12700" cmpd="sng">
+                      <a:noFill/>
+                    </a:lnL>
+                    <a:lnR w="6350" cap="flat" cmpd="sng" algn="ctr">
+                      <a:solidFill>
+                        <a:srgbClr val="A7A9B6"/>
+                      </a:solidFill>
+                      <a:prstDash val="solid"/>
+                      <a:round/>
+                      <a:headEnd type="none" w="med" len="med"/>
+                      <a:tailEnd type="none" w="med" len="med"/>
+                    </a:lnR>
+                    <a:lnT w="6350" cap="flat" cmpd="sng" algn="ctr">
+                      <a:solidFill>
+                        <a:srgbClr val="A7A9B6"/>
+                      </a:solidFill>
+                      <a:prstDash val="solid"/>
+                      <a:round/>
+                      <a:headEnd type="none" w="med" len="med"/>
+                      <a:tailEnd type="none" w="med" len="med"/>
+                    </a:lnT>
+                    <a:lnB w="6350" cap="flat" cmpd="sng" algn="ctr">
+                      <a:solidFill>
+                        <a:srgbClr val="A7A9B6"/>
+                      </a:solidFill>
+                      <a:prstDash val="solid"/>
+                      <a:round/>
+                      <a:headEnd type="none" w="med" len="med"/>
+                      <a:tailEnd type="none" w="med" len="med"/>
+                    </a:lnB>
+                    <a:lnTlToBr w="12700" cmpd="sng">
+                      <a:noFill/>
+                      <a:prstDash val="solid"/>
+                    </a:lnTlToBr>
+                    <a:lnBlToTr w="12700" cmpd="sng">
+                      <a:noFill/>
+                      <a:prstDash val="solid"/>
+                    </a:lnBlToTr>
+                    <a:noFill/>
+                  </a:tcPr>
+                </a:tc>
+                <a:extLst>
+                  <a:ext uri="{0D108BD9-81ED-4DB2-BD59-A6C34878D82A}">
+                    <a16:rowId xmlns:a16="http://schemas.microsoft.com/office/drawing/2014/main" val="3061379966"/>
+                  </a:ext>
+                </a:extLst>
+              </a:tr>
+            </a:tbl>
+          </a:graphicData>
+        </a:graphic>
+      </p:graphicFrame>
       <p:sp>
         <p:nvSpPr>
           <p:cNvPr id="16" name="Risk Title">
@@ -502,7 +1596,7 @@
             <a:spLocks noGrp="1"/>
           </p:cNvSpPr>
           <p:nvPr>
-            <p:ph type="body" sz="quarter" idx="14" hasCustomPrompt="1"/>
+            <p:ph type="body" sz="quarter" idx="14"/>
           </p:nvPr>
         </p:nvSpPr>
         <p:spPr>
@@ -530,10 +1624,7 @@
             </a:lvl1pPr>
           </a:lstStyle>
           <a:p>
-            <a:r>
-              <a:rPr lang="en-US" dirty="0"/>
-              <a:t>Bureau Agreements</a:t>
-            </a:r>
+            <a:endParaRPr lang="en-US" dirty="0"/>
           </a:p>
         </p:txBody>
       </p:sp>
@@ -714,7 +1805,7 @@
         </p:nvSpPr>
         <p:spPr>
           <a:xfrm>
-            <a:off x="553661" y="6140961"/>
+            <a:off x="1792115" y="6138348"/>
             <a:ext cx="1045462" cy="228034"/>
           </a:xfrm>
           <a:prstGeom prst="roundRect">
@@ -796,7 +1887,7 @@
         </p:nvSpPr>
         <p:spPr>
           <a:xfrm>
-            <a:off x="553661" y="6140950"/>
+            <a:off x="1792115" y="6138337"/>
             <a:ext cx="1045462" cy="228600"/>
           </a:xfrm>
           <a:prstGeom prst="rect">
@@ -846,7 +1937,7 @@
             <a:spLocks noGrp="1"/>
           </p:cNvSpPr>
           <p:nvPr>
-            <p:ph type="title" hasCustomPrompt="1"/>
+            <p:ph type="title"/>
           </p:nvPr>
         </p:nvSpPr>
         <p:spPr>
@@ -864,10 +1955,7 @@
           </a:bodyPr>
           <a:lstStyle/>
           <a:p>
-            <a:r>
-              <a:rPr lang="en-US" dirty="0"/>
-              <a:t>Bureaus Move Slowly With Agreements and Put Pressure on Timelines</a:t>
-            </a:r>
+            <a:endParaRPr lang="en-US" dirty="0"/>
           </a:p>
         </p:txBody>
       </p:sp>
@@ -1059,7 +2147,7 @@
         </p:nvSpPr>
         <p:spPr>
           <a:xfrm>
-            <a:off x="1752418" y="6140961"/>
+            <a:off x="2990872" y="6138348"/>
             <a:ext cx="1043734" cy="228034"/>
           </a:xfrm>
           <a:prstGeom prst="roundRect">
@@ -1137,7 +2225,7 @@
         </p:nvSpPr>
         <p:spPr>
           <a:xfrm>
-            <a:off x="2949448" y="6140961"/>
+            <a:off x="590954" y="6140961"/>
             <a:ext cx="1055977" cy="228034"/>
           </a:xfrm>
           <a:prstGeom prst="roundRect">
@@ -1215,7 +2303,7 @@
         </p:nvSpPr>
         <p:spPr>
           <a:xfrm>
-            <a:off x="1686246" y="5794793"/>
+            <a:off x="2924700" y="5792180"/>
             <a:ext cx="650499" cy="276999"/>
           </a:xfrm>
           <a:prstGeom prst="rect">
@@ -1288,7 +2376,7 @@
         </p:nvSpPr>
         <p:spPr>
           <a:xfrm>
-            <a:off x="487204" y="5805657"/>
+            <a:off x="1725658" y="5803044"/>
             <a:ext cx="995785" cy="276999"/>
           </a:xfrm>
           <a:prstGeom prst="rect">
@@ -1355,8 +2443,8 @@
         </p:nvSpPr>
         <p:spPr>
           <a:xfrm>
-            <a:off x="2896442" y="5787142"/>
-            <a:ext cx="565155" cy="276999"/>
+            <a:off x="537948" y="5787142"/>
+            <a:ext cx="1158972" cy="276999"/>
           </a:xfrm>
           <a:prstGeom prst="rect">
             <a:avLst/>
@@ -1389,7 +2477,7 @@
               <a:rPr lang="en-US" sz="1200" spc="20" dirty="0">
                 <a:latin typeface="Avenir Book" panose="02000503020000020003" pitchFamily="2" charset="0"/>
               </a:rPr>
-              <a:t>Type:</a:t>
+              <a:t>Value Stream:</a:t>
             </a:r>
             <a:endParaRPr kumimoji="0" lang="en-US" sz="800" b="0" i="0" u="none" strike="noStrike" kern="1200" cap="none" spc="0" normalizeH="0" baseline="0" noProof="0" dirty="0">
               <a:ln>
@@ -1410,1744 +2498,6 @@
       </p:sp>
       <p:graphicFrame>
         <p:nvGraphicFramePr>
-          <p:cNvPr id="24" name="Table 6">
-            <a:extLst>
-              <a:ext uri="{FF2B5EF4-FFF2-40B4-BE49-F238E27FC236}">
-                <a16:creationId xmlns:a16="http://schemas.microsoft.com/office/drawing/2014/main" id="{6E0CE573-6914-2C47-B1EF-10FFA5ADD493}"/>
-              </a:ext>
-            </a:extLst>
-          </p:cNvPr>
-          <p:cNvGraphicFramePr>
-            <a:graphicFrameLocks noGrp="1"/>
-          </p:cNvGraphicFramePr>
-          <p:nvPr userDrawn="1">
-            <p:extLst>
-              <p:ext uri="{D42A27DB-BD31-4B8C-83A1-F6EECF244321}">
-                <p14:modId xmlns:p14="http://schemas.microsoft.com/office/powerpoint/2010/main" val="2029950857"/>
-              </p:ext>
-            </p:extLst>
-          </p:nvPr>
-        </p:nvGraphicFramePr>
-        <p:xfrm>
-          <a:off x="4546698" y="1666994"/>
-          <a:ext cx="7194818" cy="1853698"/>
-        </p:xfrm>
-        <a:graphic>
-          <a:graphicData uri="http://schemas.openxmlformats.org/drawingml/2006/table">
-            <a:tbl>
-              <a:tblPr firstRow="1" bandRow="1">
-                <a:tableStyleId>{5C22544A-7EE6-4342-B048-85BDC9FD1C3A}</a:tableStyleId>
-              </a:tblPr>
-              <a:tblGrid>
-                <a:gridCol w="2282384">
-                  <a:extLst>
-                    <a:ext uri="{9D8B030D-6E8A-4147-A177-3AD203B41FA5}">
-                      <a16:colId xmlns:a16="http://schemas.microsoft.com/office/drawing/2014/main" val="1687036990"/>
-                    </a:ext>
-                  </a:extLst>
-                </a:gridCol>
-                <a:gridCol w="230659">
-                  <a:extLst>
-                    <a:ext uri="{9D8B030D-6E8A-4147-A177-3AD203B41FA5}">
-                      <a16:colId xmlns:a16="http://schemas.microsoft.com/office/drawing/2014/main" val="2444300623"/>
-                    </a:ext>
-                  </a:extLst>
-                </a:gridCol>
-                <a:gridCol w="2183027">
-                  <a:extLst>
-                    <a:ext uri="{9D8B030D-6E8A-4147-A177-3AD203B41FA5}">
-                      <a16:colId xmlns:a16="http://schemas.microsoft.com/office/drawing/2014/main" val="2703337248"/>
-                    </a:ext>
-                  </a:extLst>
-                </a:gridCol>
-                <a:gridCol w="214184">
-                  <a:extLst>
-                    <a:ext uri="{9D8B030D-6E8A-4147-A177-3AD203B41FA5}">
-                      <a16:colId xmlns:a16="http://schemas.microsoft.com/office/drawing/2014/main" val="2234281436"/>
-                    </a:ext>
-                  </a:extLst>
-                </a:gridCol>
-                <a:gridCol w="2284564">
-                  <a:extLst>
-                    <a:ext uri="{9D8B030D-6E8A-4147-A177-3AD203B41FA5}">
-                      <a16:colId xmlns:a16="http://schemas.microsoft.com/office/drawing/2014/main" val="532939856"/>
-                    </a:ext>
-                  </a:extLst>
-                </a:gridCol>
-              </a:tblGrid>
-              <a:tr h="315174">
-                <a:tc gridSpan="5">
-                  <a:txBody>
-                    <a:bodyPr/>
-                    <a:lstStyle/>
-                    <a:p>
-                      <a:pPr marL="0" lvl="0" algn="l" defTabSz="914400" rtl="0" eaLnBrk="1" latinLnBrk="0" hangingPunct="1">
-                        <a:lnSpc>
-                          <a:spcPct val="90000"/>
-                        </a:lnSpc>
-                        <a:spcBef>
-                          <a:spcPct val="0"/>
-                        </a:spcBef>
-                        <a:buNone/>
-                        <a:defRPr/>
-                      </a:pPr>
-                      <a:r>
-                        <a:rPr kumimoji="0" lang="en-US" sz="1500" b="0" i="0" u="none" strike="noStrike" kern="1200" cap="none" spc="0" normalizeH="0" baseline="0">
-                          <a:ln>
-                            <a:noFill/>
-                          </a:ln>
-                          <a:solidFill>
-                            <a:prstClr val="black"/>
-                          </a:solidFill>
-                          <a:effectLst/>
-                          <a:uLnTx/>
-                          <a:uFillTx/>
-                          <a:latin typeface="Avenir Medium" panose="02000503020000020003" pitchFamily="2" charset="0"/>
-                          <a:ea typeface="+mn-ea"/>
-                          <a:cs typeface="+mn-cs"/>
-                        </a:rPr>
-                        <a:t>CEI Risk Description</a:t>
-                      </a:r>
-                      <a:endParaRPr kumimoji="0" lang="en-US" sz="1500" b="0" i="0" u="none" strike="noStrike" kern="1200" cap="none" spc="0" normalizeH="0" baseline="0" dirty="0">
-                        <a:ln>
-                          <a:noFill/>
-                        </a:ln>
-                        <a:solidFill>
-                          <a:prstClr val="black"/>
-                        </a:solidFill>
-                        <a:effectLst/>
-                        <a:uLnTx/>
-                        <a:uFillTx/>
-                        <a:latin typeface="Avenir Medium" panose="02000503020000020003" pitchFamily="2" charset="0"/>
-                        <a:ea typeface="+mn-ea"/>
-                        <a:cs typeface="+mn-cs"/>
-                      </a:endParaRPr>
-                    </a:p>
-                  </a:txBody>
-                  <a:tcPr marL="0">
-                    <a:lnL w="3175" cap="flat" cmpd="sng" algn="ctr">
-                      <a:noFill/>
-                      <a:prstDash val="solid"/>
-                      <a:round/>
-                      <a:headEnd type="none" w="med" len="med"/>
-                      <a:tailEnd type="none" w="med" len="med"/>
-                    </a:lnL>
-                    <a:lnR w="3175" cap="flat" cmpd="sng" algn="ctr">
-                      <a:noFill/>
-                      <a:prstDash val="solid"/>
-                      <a:round/>
-                      <a:headEnd type="none" w="med" len="med"/>
-                      <a:tailEnd type="none" w="med" len="med"/>
-                    </a:lnR>
-                    <a:lnT w="3175" cap="flat" cmpd="sng" algn="ctr">
-                      <a:noFill/>
-                      <a:prstDash val="solid"/>
-                      <a:round/>
-                      <a:headEnd type="none" w="med" len="med"/>
-                      <a:tailEnd type="none" w="med" len="med"/>
-                    </a:lnT>
-                    <a:lnB w="57150" cap="flat" cmpd="sng" algn="ctr">
-                      <a:noFill/>
-                      <a:prstDash val="solid"/>
-                      <a:round/>
-                      <a:headEnd type="none" w="med" len="med"/>
-                      <a:tailEnd type="none" w="med" len="med"/>
-                    </a:lnB>
-                    <a:lnTlToBr w="12700" cmpd="sng">
-                      <a:noFill/>
-                      <a:prstDash val="solid"/>
-                    </a:lnTlToBr>
-                    <a:lnBlToTr w="12700" cmpd="sng">
-                      <a:noFill/>
-                      <a:prstDash val="solid"/>
-                    </a:lnBlToTr>
-                    <a:noFill/>
-                  </a:tcPr>
-                </a:tc>
-                <a:tc hMerge="1">
-                  <a:txBody>
-                    <a:bodyPr/>
-                    <a:lstStyle/>
-                    <a:p>
-                      <a:pPr marL="0" marR="0" indent="0" algn="ctr" defTabSz="914400" rtl="0" eaLnBrk="1" fontAlgn="auto" latinLnBrk="0" hangingPunct="1">
-                        <a:lnSpc>
-                          <a:spcPct val="100000"/>
-                        </a:lnSpc>
-                        <a:spcBef>
-                          <a:spcPts val="0"/>
-                        </a:spcBef>
-                        <a:spcAft>
-                          <a:spcPts val="0"/>
-                        </a:spcAft>
-                        <a:buClrTx/>
-                        <a:buSzTx/>
-                        <a:buFontTx/>
-                        <a:buNone/>
-                        <a:tabLst/>
-                        <a:defRPr/>
-                      </a:pPr>
-                      <a:endParaRPr kumimoji="0" lang="en-US" sz="1400" b="0" i="0" u="none" strike="noStrike" kern="1200" cap="none" spc="10" normalizeH="0" baseline="0" dirty="0">
-                        <a:ln>
-                          <a:noFill/>
-                        </a:ln>
-                        <a:solidFill>
-                          <a:schemeClr val="tx1"/>
-                        </a:solidFill>
-                        <a:effectLst/>
-                        <a:uLnTx/>
-                        <a:uFillTx/>
-                        <a:latin typeface="Avenir" panose="02000503020000020003" pitchFamily="2" charset="0"/>
-                        <a:ea typeface="+mn-ea"/>
-                        <a:cs typeface="+mn-cs"/>
-                      </a:endParaRPr>
-                    </a:p>
-                  </a:txBody>
-                  <a:tcPr marL="0" marR="0" marT="0" marB="0" anchor="ctr">
-                    <a:lnL w="3175" cap="flat" cmpd="sng" algn="ctr">
-                      <a:solidFill>
-                        <a:schemeClr val="bg1"/>
-                      </a:solidFill>
-                      <a:prstDash val="solid"/>
-                      <a:round/>
-                      <a:headEnd type="none" w="med" len="med"/>
-                      <a:tailEnd type="none" w="med" len="med"/>
-                    </a:lnL>
-                    <a:lnR w="3175" cap="flat" cmpd="sng" algn="ctr">
-                      <a:solidFill>
-                        <a:schemeClr val="bg1"/>
-                      </a:solidFill>
-                      <a:prstDash val="solid"/>
-                      <a:round/>
-                      <a:headEnd type="none" w="med" len="med"/>
-                      <a:tailEnd type="none" w="med" len="med"/>
-                    </a:lnR>
-                    <a:lnT w="3175" cap="flat" cmpd="sng" algn="ctr">
-                      <a:solidFill>
-                        <a:schemeClr val="bg1"/>
-                      </a:solidFill>
-                      <a:prstDash val="solid"/>
-                      <a:round/>
-                      <a:headEnd type="none" w="med" len="med"/>
-                      <a:tailEnd type="none" w="med" len="med"/>
-                    </a:lnT>
-                    <a:lnB w="3175" cap="flat" cmpd="sng" algn="ctr">
-                      <a:solidFill>
-                        <a:schemeClr val="bg1"/>
-                      </a:solidFill>
-                      <a:prstDash val="solid"/>
-                      <a:round/>
-                      <a:headEnd type="none" w="med" len="med"/>
-                      <a:tailEnd type="none" w="med" len="med"/>
-                    </a:lnB>
-                    <a:lnTlToBr w="12700" cmpd="sng">
-                      <a:noFill/>
-                      <a:prstDash val="solid"/>
-                    </a:lnTlToBr>
-                    <a:lnBlToTr w="12700" cmpd="sng">
-                      <a:noFill/>
-                      <a:prstDash val="solid"/>
-                    </a:lnBlToTr>
-                    <a:noFill/>
-                  </a:tcPr>
-                </a:tc>
-                <a:tc hMerge="1">
-                  <a:txBody>
-                    <a:bodyPr/>
-                    <a:lstStyle/>
-                    <a:p>
-                      <a:pPr marL="0" lvl="0" algn="ctr" defTabSz="914400" rtl="0" eaLnBrk="1" latinLnBrk="0" hangingPunct="1">
-                        <a:lnSpc>
-                          <a:spcPct val="90000"/>
-                        </a:lnSpc>
-                        <a:spcBef>
-                          <a:spcPct val="0"/>
-                        </a:spcBef>
-                        <a:buNone/>
-                        <a:defRPr/>
-                      </a:pPr>
-                      <a:endParaRPr kumimoji="0" lang="en-US" sz="1400" b="0" i="0" u="none" strike="noStrike" kern="1200" cap="none" spc="10" normalizeH="0" baseline="0" dirty="0">
-                        <a:ln>
-                          <a:noFill/>
-                        </a:ln>
-                        <a:solidFill>
-                          <a:schemeClr val="bg1"/>
-                        </a:solidFill>
-                        <a:effectLst/>
-                        <a:uLnTx/>
-                        <a:uFillTx/>
-                        <a:latin typeface="Avenir" panose="02000503020000020003" pitchFamily="2" charset="0"/>
-                        <a:ea typeface="+mn-ea"/>
-                        <a:cs typeface="+mn-cs"/>
-                      </a:endParaRPr>
-                    </a:p>
-                  </a:txBody>
-                  <a:tcPr anchor="ctr">
-                    <a:lnL w="3175" cap="flat" cmpd="sng" algn="ctr">
-                      <a:solidFill>
-                        <a:schemeClr val="bg1"/>
-                      </a:solidFill>
-                      <a:prstDash val="solid"/>
-                      <a:round/>
-                      <a:headEnd type="none" w="med" len="med"/>
-                      <a:tailEnd type="none" w="med" len="med"/>
-                    </a:lnL>
-                    <a:lnR w="3175" cap="flat" cmpd="sng" algn="ctr">
-                      <a:solidFill>
-                        <a:schemeClr val="bg1"/>
-                      </a:solidFill>
-                      <a:prstDash val="solid"/>
-                      <a:round/>
-                      <a:headEnd type="none" w="med" len="med"/>
-                      <a:tailEnd type="none" w="med" len="med"/>
-                    </a:lnR>
-                    <a:lnT w="3175" cap="flat" cmpd="sng" algn="ctr">
-                      <a:solidFill>
-                        <a:schemeClr val="bg1"/>
-                      </a:solidFill>
-                      <a:prstDash val="solid"/>
-                      <a:round/>
-                      <a:headEnd type="none" w="med" len="med"/>
-                      <a:tailEnd type="none" w="med" len="med"/>
-                    </a:lnT>
-                    <a:lnB w="57150" cap="flat" cmpd="sng" algn="ctr">
-                      <a:solidFill>
-                        <a:schemeClr val="bg1"/>
-                      </a:solidFill>
-                      <a:prstDash val="solid"/>
-                      <a:round/>
-                      <a:headEnd type="none" w="med" len="med"/>
-                      <a:tailEnd type="none" w="med" len="med"/>
-                    </a:lnB>
-                    <a:lnTlToBr w="12700" cmpd="sng">
-                      <a:noFill/>
-                      <a:prstDash val="solid"/>
-                    </a:lnTlToBr>
-                    <a:lnBlToTr w="12700" cmpd="sng">
-                      <a:noFill/>
-                      <a:prstDash val="solid"/>
-                    </a:lnBlToTr>
-                    <a:solidFill>
-                      <a:schemeClr val="accent3"/>
-                    </a:solidFill>
-                  </a:tcPr>
-                </a:tc>
-                <a:tc hMerge="1">
-                  <a:txBody>
-                    <a:bodyPr/>
-                    <a:lstStyle/>
-                    <a:p>
-                      <a:pPr marL="0" lvl="0" algn="ctr" defTabSz="914400" rtl="0" eaLnBrk="1" latinLnBrk="0" hangingPunct="1"/>
-                      <a:endParaRPr lang="en-US" sz="900" kern="1200" dirty="0">
-                        <a:solidFill>
-                          <a:srgbClr val="000000"/>
-                        </a:solidFill>
-                        <a:latin typeface="Avenir Book" panose="02000503020000020003" pitchFamily="2" charset="0"/>
-                        <a:ea typeface="+mn-ea"/>
-                        <a:cs typeface="+mn-cs"/>
-                      </a:endParaRPr>
-                    </a:p>
-                  </a:txBody>
-                  <a:tcPr marL="0" marR="0" marT="0" marB="0" anchor="ctr">
-                    <a:lnL w="3175" cap="flat" cmpd="sng" algn="ctr">
-                      <a:solidFill>
-                        <a:schemeClr val="bg1"/>
-                      </a:solidFill>
-                      <a:prstDash val="solid"/>
-                      <a:round/>
-                      <a:headEnd type="none" w="med" len="med"/>
-                      <a:tailEnd type="none" w="med" len="med"/>
-                    </a:lnL>
-                    <a:lnR w="3175" cap="flat" cmpd="sng" algn="ctr">
-                      <a:solidFill>
-                        <a:schemeClr val="bg1"/>
-                      </a:solidFill>
-                      <a:prstDash val="solid"/>
-                      <a:round/>
-                      <a:headEnd type="none" w="med" len="med"/>
-                      <a:tailEnd type="none" w="med" len="med"/>
-                    </a:lnR>
-                    <a:lnT w="3175" cap="flat" cmpd="sng" algn="ctr">
-                      <a:solidFill>
-                        <a:schemeClr val="bg1"/>
-                      </a:solidFill>
-                      <a:prstDash val="solid"/>
-                      <a:round/>
-                      <a:headEnd type="none" w="med" len="med"/>
-                      <a:tailEnd type="none" w="med" len="med"/>
-                    </a:lnT>
-                    <a:lnB w="3175" cap="flat" cmpd="sng" algn="ctr">
-                      <a:solidFill>
-                        <a:schemeClr val="bg1"/>
-                      </a:solidFill>
-                      <a:prstDash val="solid"/>
-                      <a:round/>
-                      <a:headEnd type="none" w="med" len="med"/>
-                      <a:tailEnd type="none" w="med" len="med"/>
-                    </a:lnB>
-                    <a:lnTlToBr w="12700" cmpd="sng">
-                      <a:noFill/>
-                      <a:prstDash val="solid"/>
-                    </a:lnTlToBr>
-                    <a:lnBlToTr w="12700" cmpd="sng">
-                      <a:noFill/>
-                      <a:prstDash val="solid"/>
-                    </a:lnBlToTr>
-                    <a:noFill/>
-                  </a:tcPr>
-                </a:tc>
-                <a:tc hMerge="1">
-                  <a:txBody>
-                    <a:bodyPr/>
-                    <a:lstStyle/>
-                    <a:p>
-                      <a:pPr marL="0" lvl="0" algn="ctr" defTabSz="914400" rtl="0" eaLnBrk="1" latinLnBrk="0" hangingPunct="1">
-                        <a:lnSpc>
-                          <a:spcPct val="90000"/>
-                        </a:lnSpc>
-                        <a:spcBef>
-                          <a:spcPct val="0"/>
-                        </a:spcBef>
-                        <a:buNone/>
-                        <a:defRPr/>
-                      </a:pPr>
-                      <a:endParaRPr kumimoji="0" lang="en-US" sz="1400" b="0" i="0" u="none" strike="noStrike" kern="1200" cap="none" spc="10" normalizeH="0" baseline="0" dirty="0">
-                        <a:ln>
-                          <a:noFill/>
-                        </a:ln>
-                        <a:solidFill>
-                          <a:schemeClr val="bg1"/>
-                        </a:solidFill>
-                        <a:effectLst/>
-                        <a:uLnTx/>
-                        <a:uFillTx/>
-                        <a:latin typeface="Avenir" panose="02000503020000020003" pitchFamily="2" charset="0"/>
-                        <a:ea typeface="+mn-ea"/>
-                        <a:cs typeface="+mn-cs"/>
-                      </a:endParaRPr>
-                    </a:p>
-                  </a:txBody>
-                  <a:tcPr anchor="ctr">
-                    <a:lnL w="3175" cap="flat" cmpd="sng" algn="ctr">
-                      <a:solidFill>
-                        <a:schemeClr val="bg1"/>
-                      </a:solidFill>
-                      <a:prstDash val="solid"/>
-                      <a:round/>
-                      <a:headEnd type="none" w="med" len="med"/>
-                      <a:tailEnd type="none" w="med" len="med"/>
-                    </a:lnL>
-                    <a:lnR w="3175" cap="flat" cmpd="sng" algn="ctr">
-                      <a:solidFill>
-                        <a:schemeClr val="bg1"/>
-                      </a:solidFill>
-                      <a:prstDash val="solid"/>
-                      <a:round/>
-                      <a:headEnd type="none" w="med" len="med"/>
-                      <a:tailEnd type="none" w="med" len="med"/>
-                    </a:lnR>
-                    <a:lnT w="3175" cap="flat" cmpd="sng" algn="ctr">
-                      <a:solidFill>
-                        <a:schemeClr val="bg1"/>
-                      </a:solidFill>
-                      <a:prstDash val="solid"/>
-                      <a:round/>
-                      <a:headEnd type="none" w="med" len="med"/>
-                      <a:tailEnd type="none" w="med" len="med"/>
-                    </a:lnT>
-                    <a:lnB w="57150" cap="flat" cmpd="sng" algn="ctr">
-                      <a:solidFill>
-                        <a:schemeClr val="bg1"/>
-                      </a:solidFill>
-                      <a:prstDash val="solid"/>
-                      <a:round/>
-                      <a:headEnd type="none" w="med" len="med"/>
-                      <a:tailEnd type="none" w="med" len="med"/>
-                    </a:lnB>
-                    <a:lnTlToBr w="12700" cmpd="sng">
-                      <a:noFill/>
-                      <a:prstDash val="solid"/>
-                    </a:lnTlToBr>
-                    <a:lnBlToTr w="12700" cmpd="sng">
-                      <a:noFill/>
-                      <a:prstDash val="solid"/>
-                    </a:lnBlToTr>
-                    <a:solidFill>
-                      <a:schemeClr val="accent3"/>
-                    </a:solidFill>
-                  </a:tcPr>
-                </a:tc>
-                <a:extLst>
-                  <a:ext uri="{0D108BD9-81ED-4DB2-BD59-A6C34878D82A}">
-                    <a16:rowId xmlns:a16="http://schemas.microsoft.com/office/drawing/2014/main" val="2340624438"/>
-                  </a:ext>
-                </a:extLst>
-              </a:tr>
-              <a:tr h="70541">
-                <a:tc gridSpan="5">
-                  <a:txBody>
-                    <a:bodyPr/>
-                    <a:lstStyle/>
-                    <a:p>
-                      <a:pPr marL="0" lvl="0" algn="l" defTabSz="914400" rtl="0" eaLnBrk="1" latinLnBrk="0" hangingPunct="1">
-                        <a:lnSpc>
-                          <a:spcPct val="90000"/>
-                        </a:lnSpc>
-                        <a:spcBef>
-                          <a:spcPct val="0"/>
-                        </a:spcBef>
-                        <a:buNone/>
-                        <a:defRPr/>
-                      </a:pPr>
-                      <a:endParaRPr kumimoji="0" lang="en-US" sz="100" b="0" i="0" u="none" strike="noStrike" kern="1200" cap="none" spc="0" normalizeH="0" baseline="0" dirty="0">
-                        <a:ln>
-                          <a:noFill/>
-                        </a:ln>
-                        <a:solidFill>
-                          <a:prstClr val="black"/>
-                        </a:solidFill>
-                        <a:effectLst/>
-                        <a:uLnTx/>
-                        <a:uFillTx/>
-                        <a:latin typeface="Avenir Medium" panose="02000503020000020003" pitchFamily="2" charset="0"/>
-                        <a:ea typeface="+mn-ea"/>
-                        <a:cs typeface="+mn-cs"/>
-                      </a:endParaRPr>
-                    </a:p>
-                  </a:txBody>
-                  <a:tcPr marL="0" marR="0" marT="0" marB="0">
-                    <a:lnL w="3175" cap="flat" cmpd="sng" algn="ctr">
-                      <a:noFill/>
-                      <a:prstDash val="solid"/>
-                      <a:round/>
-                      <a:headEnd type="none" w="med" len="med"/>
-                      <a:tailEnd type="none" w="med" len="med"/>
-                    </a:lnL>
-                    <a:lnR w="3175" cap="flat" cmpd="sng" algn="ctr">
-                      <a:noFill/>
-                      <a:prstDash val="solid"/>
-                      <a:round/>
-                      <a:headEnd type="none" w="med" len="med"/>
-                      <a:tailEnd type="none" w="med" len="med"/>
-                    </a:lnR>
-                    <a:lnT w="3175" cap="flat" cmpd="sng" algn="ctr">
-                      <a:noFill/>
-                      <a:prstDash val="solid"/>
-                      <a:round/>
-                      <a:headEnd type="none" w="med" len="med"/>
-                      <a:tailEnd type="none" w="med" len="med"/>
-                    </a:lnT>
-                    <a:lnB w="57150" cap="flat" cmpd="sng" algn="ctr">
-                      <a:noFill/>
-                      <a:prstDash val="solid"/>
-                      <a:round/>
-                      <a:headEnd type="none" w="med" len="med"/>
-                      <a:tailEnd type="none" w="med" len="med"/>
-                    </a:lnB>
-                    <a:lnTlToBr w="12700" cmpd="sng">
-                      <a:noFill/>
-                      <a:prstDash val="solid"/>
-                    </a:lnTlToBr>
-                    <a:lnBlToTr w="12700" cmpd="sng">
-                      <a:noFill/>
-                      <a:prstDash val="solid"/>
-                    </a:lnBlToTr>
-                    <a:noFill/>
-                  </a:tcPr>
-                </a:tc>
-                <a:tc hMerge="1">
-                  <a:txBody>
-                    <a:bodyPr/>
-                    <a:lstStyle/>
-                    <a:p>
-                      <a:endParaRPr lang="en-US"/>
-                    </a:p>
-                  </a:txBody>
-                  <a:tcPr/>
-                </a:tc>
-                <a:tc hMerge="1">
-                  <a:txBody>
-                    <a:bodyPr/>
-                    <a:lstStyle/>
-                    <a:p>
-                      <a:endParaRPr lang="en-US"/>
-                    </a:p>
-                  </a:txBody>
-                  <a:tcPr/>
-                </a:tc>
-                <a:tc hMerge="1">
-                  <a:txBody>
-                    <a:bodyPr/>
-                    <a:lstStyle/>
-                    <a:p>
-                      <a:endParaRPr lang="en-US"/>
-                    </a:p>
-                  </a:txBody>
-                  <a:tcPr/>
-                </a:tc>
-                <a:tc hMerge="1">
-                  <a:txBody>
-                    <a:bodyPr/>
-                    <a:lstStyle/>
-                    <a:p>
-                      <a:endParaRPr lang="en-US"/>
-                    </a:p>
-                  </a:txBody>
-                  <a:tcPr/>
-                </a:tc>
-                <a:extLst>
-                  <a:ext uri="{0D108BD9-81ED-4DB2-BD59-A6C34878D82A}">
-                    <a16:rowId xmlns:a16="http://schemas.microsoft.com/office/drawing/2014/main" val="2222257353"/>
-                  </a:ext>
-                </a:extLst>
-              </a:tr>
-              <a:tr h="363841">
-                <a:tc>
-                  <a:txBody>
-                    <a:bodyPr/>
-                    <a:lstStyle/>
-                    <a:p>
-                      <a:pPr marL="0" lvl="0" algn="ctr" defTabSz="914400" rtl="0" eaLnBrk="1" latinLnBrk="0" hangingPunct="1">
-                        <a:lnSpc>
-                          <a:spcPct val="90000"/>
-                        </a:lnSpc>
-                        <a:spcBef>
-                          <a:spcPct val="0"/>
-                        </a:spcBef>
-                        <a:buNone/>
-                        <a:defRPr/>
-                      </a:pPr>
-                      <a:r>
-                        <a:rPr kumimoji="0" lang="en-US" sz="1400" b="0" i="0" u="none" strike="noStrike" kern="1200" cap="none" spc="10" normalizeH="0" baseline="0" dirty="0">
-                          <a:ln>
-                            <a:noFill/>
-                          </a:ln>
-                          <a:solidFill>
-                            <a:schemeClr val="bg1"/>
-                          </a:solidFill>
-                          <a:effectLst/>
-                          <a:uLnTx/>
-                          <a:uFillTx/>
-                          <a:latin typeface="Avenir" panose="02000503020000020003" pitchFamily="2" charset="0"/>
-                          <a:ea typeface="+mn-ea"/>
-                          <a:cs typeface="+mn-cs"/>
-                        </a:rPr>
-                        <a:t>Cause</a:t>
-                      </a:r>
-                    </a:p>
-                  </a:txBody>
-                  <a:tcPr anchor="ctr">
-                    <a:lnL w="3175" cap="flat" cmpd="sng" algn="ctr">
-                      <a:noFill/>
-                      <a:prstDash val="solid"/>
-                      <a:round/>
-                      <a:headEnd type="none" w="med" len="med"/>
-                      <a:tailEnd type="none" w="med" len="med"/>
-                    </a:lnL>
-                    <a:lnR w="3175" cap="flat" cmpd="sng" algn="ctr">
-                      <a:noFill/>
-                      <a:prstDash val="solid"/>
-                      <a:round/>
-                      <a:headEnd type="none" w="med" len="med"/>
-                      <a:tailEnd type="none" w="med" len="med"/>
-                    </a:lnR>
-                    <a:lnT w="57150" cap="flat" cmpd="sng" algn="ctr">
-                      <a:noFill/>
-                      <a:prstDash val="solid"/>
-                      <a:round/>
-                      <a:headEnd type="none" w="med" len="med"/>
-                      <a:tailEnd type="none" w="med" len="med"/>
-                    </a:lnT>
-                    <a:lnB w="3175" cap="flat" cmpd="sng" algn="ctr">
-                      <a:noFill/>
-                      <a:prstDash val="solid"/>
-                      <a:round/>
-                      <a:headEnd type="none" w="med" len="med"/>
-                      <a:tailEnd type="none" w="med" len="med"/>
-                    </a:lnB>
-                    <a:lnTlToBr w="12700" cmpd="sng">
-                      <a:noFill/>
-                      <a:prstDash val="solid"/>
-                    </a:lnTlToBr>
-                    <a:lnBlToTr w="12700" cmpd="sng">
-                      <a:noFill/>
-                      <a:prstDash val="solid"/>
-                    </a:lnBlToTr>
-                    <a:gradFill>
-                      <a:gsLst>
-                        <a:gs pos="100000">
-                          <a:srgbClr val="FF607F"/>
-                        </a:gs>
-                        <a:gs pos="28000">
-                          <a:srgbClr val="FD034F"/>
-                        </a:gs>
-                      </a:gsLst>
-                      <a:lin ang="16200000" scaled="1"/>
-                    </a:gradFill>
-                  </a:tcPr>
-                </a:tc>
-                <a:tc>
-                  <a:txBody>
-                    <a:bodyPr/>
-                    <a:lstStyle/>
-                    <a:p>
-                      <a:pPr marL="0" marR="0" indent="0" algn="ctr" defTabSz="914400" rtl="0" eaLnBrk="1" fontAlgn="auto" latinLnBrk="0" hangingPunct="1">
-                        <a:lnSpc>
-                          <a:spcPct val="100000"/>
-                        </a:lnSpc>
-                        <a:spcBef>
-                          <a:spcPts val="0"/>
-                        </a:spcBef>
-                        <a:spcAft>
-                          <a:spcPts val="0"/>
-                        </a:spcAft>
-                        <a:buClrTx/>
-                        <a:buSzTx/>
-                        <a:buFontTx/>
-                        <a:buNone/>
-                        <a:tabLst/>
-                        <a:defRPr/>
-                      </a:pPr>
-                      <a:endParaRPr kumimoji="0" lang="en-US" sz="1400" b="0" i="0" u="none" strike="noStrike" kern="1200" cap="none" spc="10" normalizeH="0" baseline="0" dirty="0">
-                        <a:ln>
-                          <a:noFill/>
-                        </a:ln>
-                        <a:solidFill>
-                          <a:schemeClr val="tx1"/>
-                        </a:solidFill>
-                        <a:effectLst/>
-                        <a:uLnTx/>
-                        <a:uFillTx/>
-                        <a:latin typeface="Avenir" panose="02000503020000020003" pitchFamily="2" charset="0"/>
-                        <a:ea typeface="+mn-ea"/>
-                        <a:cs typeface="+mn-cs"/>
-                      </a:endParaRPr>
-                    </a:p>
-                  </a:txBody>
-                  <a:tcPr marL="0" marR="0" marT="0" marB="0" anchor="ctr">
-                    <a:lnL w="3175" cap="flat" cmpd="sng" algn="ctr">
-                      <a:noFill/>
-                      <a:prstDash val="solid"/>
-                      <a:round/>
-                      <a:headEnd type="none" w="med" len="med"/>
-                      <a:tailEnd type="none" w="med" len="med"/>
-                    </a:lnL>
-                    <a:lnR w="3175" cap="flat" cmpd="sng" algn="ctr">
-                      <a:noFill/>
-                      <a:prstDash val="solid"/>
-                      <a:round/>
-                      <a:headEnd type="none" w="med" len="med"/>
-                      <a:tailEnd type="none" w="med" len="med"/>
-                    </a:lnR>
-                    <a:lnT w="3175" cap="flat" cmpd="sng" algn="ctr">
-                      <a:noFill/>
-                      <a:prstDash val="solid"/>
-                      <a:round/>
-                      <a:headEnd type="none" w="med" len="med"/>
-                      <a:tailEnd type="none" w="med" len="med"/>
-                    </a:lnT>
-                    <a:lnB w="3175" cap="flat" cmpd="sng" algn="ctr">
-                      <a:noFill/>
-                      <a:prstDash val="solid"/>
-                      <a:round/>
-                      <a:headEnd type="none" w="med" len="med"/>
-                      <a:tailEnd type="none" w="med" len="med"/>
-                    </a:lnB>
-                    <a:lnTlToBr w="12700" cmpd="sng">
-                      <a:noFill/>
-                      <a:prstDash val="solid"/>
-                    </a:lnTlToBr>
-                    <a:lnBlToTr w="12700" cmpd="sng">
-                      <a:noFill/>
-                      <a:prstDash val="solid"/>
-                    </a:lnBlToTr>
-                    <a:noFill/>
-                  </a:tcPr>
-                </a:tc>
-                <a:tc>
-                  <a:txBody>
-                    <a:bodyPr/>
-                    <a:lstStyle/>
-                    <a:p>
-                      <a:pPr marL="0" lvl="0" algn="ctr" defTabSz="914400" rtl="0" eaLnBrk="1" latinLnBrk="0" hangingPunct="1">
-                        <a:lnSpc>
-                          <a:spcPct val="90000"/>
-                        </a:lnSpc>
-                        <a:spcBef>
-                          <a:spcPct val="0"/>
-                        </a:spcBef>
-                        <a:buNone/>
-                        <a:defRPr/>
-                      </a:pPr>
-                      <a:r>
-                        <a:rPr kumimoji="0" lang="en-US" sz="1400" b="0" i="0" u="none" strike="noStrike" kern="1200" cap="none" spc="10" normalizeH="0" baseline="0" dirty="0">
-                          <a:ln>
-                            <a:noFill/>
-                          </a:ln>
-                          <a:solidFill>
-                            <a:schemeClr val="bg1"/>
-                          </a:solidFill>
-                          <a:effectLst/>
-                          <a:uLnTx/>
-                          <a:uFillTx/>
-                          <a:latin typeface="Avenir" panose="02000503020000020003" pitchFamily="2" charset="0"/>
-                          <a:ea typeface="+mn-ea"/>
-                          <a:cs typeface="+mn-cs"/>
-                        </a:rPr>
-                        <a:t>Effect</a:t>
-                      </a:r>
-                    </a:p>
-                  </a:txBody>
-                  <a:tcPr anchor="ctr">
-                    <a:lnL w="3175" cap="flat" cmpd="sng" algn="ctr">
-                      <a:noFill/>
-                      <a:prstDash val="solid"/>
-                      <a:round/>
-                      <a:headEnd type="none" w="med" len="med"/>
-                      <a:tailEnd type="none" w="med" len="med"/>
-                    </a:lnL>
-                    <a:lnR w="3175" cap="flat" cmpd="sng" algn="ctr">
-                      <a:noFill/>
-                      <a:prstDash val="solid"/>
-                      <a:round/>
-                      <a:headEnd type="none" w="med" len="med"/>
-                      <a:tailEnd type="none" w="med" len="med"/>
-                    </a:lnR>
-                    <a:lnT w="57150" cap="flat" cmpd="sng" algn="ctr">
-                      <a:noFill/>
-                      <a:prstDash val="solid"/>
-                      <a:round/>
-                      <a:headEnd type="none" w="med" len="med"/>
-                      <a:tailEnd type="none" w="med" len="med"/>
-                    </a:lnT>
-                    <a:lnB w="3175" cap="flat" cmpd="sng" algn="ctr">
-                      <a:noFill/>
-                      <a:prstDash val="solid"/>
-                      <a:round/>
-                      <a:headEnd type="none" w="med" len="med"/>
-                      <a:tailEnd type="none" w="med" len="med"/>
-                    </a:lnB>
-                    <a:lnTlToBr w="12700" cmpd="sng">
-                      <a:noFill/>
-                      <a:prstDash val="solid"/>
-                    </a:lnTlToBr>
-                    <a:lnBlToTr w="12700" cmpd="sng">
-                      <a:noFill/>
-                      <a:prstDash val="solid"/>
-                    </a:lnBlToTr>
-                    <a:gradFill>
-                      <a:gsLst>
-                        <a:gs pos="100000">
-                          <a:srgbClr val="FF607F"/>
-                        </a:gs>
-                        <a:gs pos="28000">
-                          <a:srgbClr val="FD034F"/>
-                        </a:gs>
-                      </a:gsLst>
-                      <a:lin ang="16200000" scaled="1"/>
-                    </a:gradFill>
-                  </a:tcPr>
-                </a:tc>
-                <a:tc>
-                  <a:txBody>
-                    <a:bodyPr/>
-                    <a:lstStyle/>
-                    <a:p>
-                      <a:pPr marL="0" lvl="0" algn="ctr" defTabSz="914400" rtl="0" eaLnBrk="1" latinLnBrk="0" hangingPunct="1"/>
-                      <a:endParaRPr lang="en-US" sz="900" kern="1200" dirty="0">
-                        <a:solidFill>
-                          <a:srgbClr val="000000"/>
-                        </a:solidFill>
-                        <a:latin typeface="Avenir Book" panose="02000503020000020003" pitchFamily="2" charset="0"/>
-                        <a:ea typeface="+mn-ea"/>
-                        <a:cs typeface="+mn-cs"/>
-                      </a:endParaRPr>
-                    </a:p>
-                  </a:txBody>
-                  <a:tcPr marL="0" marR="0" marT="0" marB="0" anchor="ctr">
-                    <a:lnL w="3175" cap="flat" cmpd="sng" algn="ctr">
-                      <a:noFill/>
-                      <a:prstDash val="solid"/>
-                      <a:round/>
-                      <a:headEnd type="none" w="med" len="med"/>
-                      <a:tailEnd type="none" w="med" len="med"/>
-                    </a:lnL>
-                    <a:lnR w="3175" cap="flat" cmpd="sng" algn="ctr">
-                      <a:noFill/>
-                      <a:prstDash val="solid"/>
-                      <a:round/>
-                      <a:headEnd type="none" w="med" len="med"/>
-                      <a:tailEnd type="none" w="med" len="med"/>
-                    </a:lnR>
-                    <a:lnT w="3175" cap="flat" cmpd="sng" algn="ctr">
-                      <a:noFill/>
-                      <a:prstDash val="solid"/>
-                      <a:round/>
-                      <a:headEnd type="none" w="med" len="med"/>
-                      <a:tailEnd type="none" w="med" len="med"/>
-                    </a:lnT>
-                    <a:lnB w="3175" cap="flat" cmpd="sng" algn="ctr">
-                      <a:noFill/>
-                      <a:prstDash val="solid"/>
-                      <a:round/>
-                      <a:headEnd type="none" w="med" len="med"/>
-                      <a:tailEnd type="none" w="med" len="med"/>
-                    </a:lnB>
-                    <a:lnTlToBr w="12700" cmpd="sng">
-                      <a:noFill/>
-                      <a:prstDash val="solid"/>
-                    </a:lnTlToBr>
-                    <a:lnBlToTr w="12700" cmpd="sng">
-                      <a:noFill/>
-                      <a:prstDash val="solid"/>
-                    </a:lnBlToTr>
-                    <a:noFill/>
-                  </a:tcPr>
-                </a:tc>
-                <a:tc>
-                  <a:txBody>
-                    <a:bodyPr/>
-                    <a:lstStyle/>
-                    <a:p>
-                      <a:pPr marL="0" lvl="0" algn="ctr" defTabSz="914400" rtl="0" eaLnBrk="1" latinLnBrk="0" hangingPunct="1">
-                        <a:lnSpc>
-                          <a:spcPct val="90000"/>
-                        </a:lnSpc>
-                        <a:spcBef>
-                          <a:spcPct val="0"/>
-                        </a:spcBef>
-                        <a:buNone/>
-                        <a:defRPr/>
-                      </a:pPr>
-                      <a:r>
-                        <a:rPr kumimoji="0" lang="en-US" sz="1400" b="0" i="0" u="none" strike="noStrike" kern="1200" cap="none" spc="10" normalizeH="0" baseline="0" dirty="0">
-                          <a:ln>
-                            <a:noFill/>
-                          </a:ln>
-                          <a:solidFill>
-                            <a:schemeClr val="bg1"/>
-                          </a:solidFill>
-                          <a:effectLst/>
-                          <a:uLnTx/>
-                          <a:uFillTx/>
-                          <a:latin typeface="Avenir" panose="02000503020000020003" pitchFamily="2" charset="0"/>
-                          <a:ea typeface="+mn-ea"/>
-                          <a:cs typeface="+mn-cs"/>
-                        </a:rPr>
-                        <a:t>Impact</a:t>
-                      </a:r>
-                    </a:p>
-                  </a:txBody>
-                  <a:tcPr anchor="ctr">
-                    <a:lnL w="3175" cap="flat" cmpd="sng" algn="ctr">
-                      <a:noFill/>
-                      <a:prstDash val="solid"/>
-                      <a:round/>
-                      <a:headEnd type="none" w="med" len="med"/>
-                      <a:tailEnd type="none" w="med" len="med"/>
-                    </a:lnL>
-                    <a:lnR w="3175" cap="flat" cmpd="sng" algn="ctr">
-                      <a:noFill/>
-                      <a:prstDash val="solid"/>
-                      <a:round/>
-                      <a:headEnd type="none" w="med" len="med"/>
-                      <a:tailEnd type="none" w="med" len="med"/>
-                    </a:lnR>
-                    <a:lnT w="57150" cap="flat" cmpd="sng" algn="ctr">
-                      <a:noFill/>
-                      <a:prstDash val="solid"/>
-                      <a:round/>
-                      <a:headEnd type="none" w="med" len="med"/>
-                      <a:tailEnd type="none" w="med" len="med"/>
-                    </a:lnT>
-                    <a:lnB w="3175" cap="flat" cmpd="sng" algn="ctr">
-                      <a:noFill/>
-                      <a:prstDash val="solid"/>
-                      <a:round/>
-                      <a:headEnd type="none" w="med" len="med"/>
-                      <a:tailEnd type="none" w="med" len="med"/>
-                    </a:lnB>
-                    <a:lnTlToBr w="12700" cmpd="sng">
-                      <a:noFill/>
-                      <a:prstDash val="solid"/>
-                    </a:lnTlToBr>
-                    <a:lnBlToTr w="12700" cmpd="sng">
-                      <a:noFill/>
-                      <a:prstDash val="solid"/>
-                    </a:lnBlToTr>
-                    <a:gradFill>
-                      <a:gsLst>
-                        <a:gs pos="100000">
-                          <a:srgbClr val="FF607F"/>
-                        </a:gs>
-                        <a:gs pos="28000">
-                          <a:srgbClr val="FD034F"/>
-                        </a:gs>
-                      </a:gsLst>
-                      <a:lin ang="16200000" scaled="1"/>
-                    </a:gradFill>
-                  </a:tcPr>
-                </a:tc>
-                <a:extLst>
-                  <a:ext uri="{0D108BD9-81ED-4DB2-BD59-A6C34878D82A}">
-                    <a16:rowId xmlns:a16="http://schemas.microsoft.com/office/drawing/2014/main" val="2209119933"/>
-                  </a:ext>
-                </a:extLst>
-              </a:tr>
-              <a:tr h="88785">
-                <a:tc>
-                  <a:txBody>
-                    <a:bodyPr/>
-                    <a:lstStyle/>
-                    <a:p>
-                      <a:pPr marL="0" lvl="0" algn="ctr" defTabSz="914400" rtl="0" eaLnBrk="1" latinLnBrk="0" hangingPunct="1">
-                        <a:lnSpc>
-                          <a:spcPct val="90000"/>
-                        </a:lnSpc>
-                        <a:spcBef>
-                          <a:spcPct val="0"/>
-                        </a:spcBef>
-                        <a:buNone/>
-                        <a:defRPr/>
-                      </a:pPr>
-                      <a:endParaRPr kumimoji="0" lang="en-US" sz="100" b="0" i="0" u="none" strike="noStrike" kern="1200" cap="none" spc="10" normalizeH="0" baseline="0" dirty="0">
-                        <a:ln>
-                          <a:noFill/>
-                        </a:ln>
-                        <a:solidFill>
-                          <a:schemeClr val="bg1"/>
-                        </a:solidFill>
-                        <a:effectLst/>
-                        <a:uLnTx/>
-                        <a:uFillTx/>
-                        <a:latin typeface="Avenir" panose="02000503020000020003" pitchFamily="2" charset="0"/>
-                        <a:ea typeface="+mn-ea"/>
-                        <a:cs typeface="+mn-cs"/>
-                      </a:endParaRPr>
-                    </a:p>
-                  </a:txBody>
-                  <a:tcPr marL="0" marR="0" marT="0" marB="0" anchor="ctr">
-                    <a:lnL w="3175" cap="flat" cmpd="sng" algn="ctr">
-                      <a:solidFill>
-                        <a:schemeClr val="bg1"/>
-                      </a:solidFill>
-                      <a:prstDash val="solid"/>
-                      <a:round/>
-                      <a:headEnd type="none" w="med" len="med"/>
-                      <a:tailEnd type="none" w="med" len="med"/>
-                    </a:lnL>
-                    <a:lnR w="3175" cap="flat" cmpd="sng" algn="ctr">
-                      <a:noFill/>
-                      <a:prstDash val="solid"/>
-                      <a:round/>
-                      <a:headEnd type="none" w="med" len="med"/>
-                      <a:tailEnd type="none" w="med" len="med"/>
-                    </a:lnR>
-                    <a:lnT w="3175" cap="flat" cmpd="sng" algn="ctr">
-                      <a:noFill/>
-                      <a:prstDash val="solid"/>
-                      <a:round/>
-                      <a:headEnd type="none" w="med" len="med"/>
-                      <a:tailEnd type="none" w="med" len="med"/>
-                    </a:lnT>
-                    <a:lnB w="3175" cap="flat" cmpd="sng" algn="ctr">
-                      <a:solidFill>
-                        <a:srgbClr val="A7A9B6"/>
-                      </a:solidFill>
-                      <a:prstDash val="solid"/>
-                      <a:round/>
-                      <a:headEnd type="none" w="med" len="med"/>
-                      <a:tailEnd type="none" w="med" len="med"/>
-                    </a:lnB>
-                    <a:lnTlToBr w="12700" cmpd="sng">
-                      <a:noFill/>
-                      <a:prstDash val="solid"/>
-                    </a:lnTlToBr>
-                    <a:lnBlToTr w="12700" cmpd="sng">
-                      <a:noFill/>
-                      <a:prstDash val="solid"/>
-                    </a:lnBlToTr>
-                    <a:noFill/>
-                  </a:tcPr>
-                </a:tc>
-                <a:tc>
-                  <a:txBody>
-                    <a:bodyPr/>
-                    <a:lstStyle/>
-                    <a:p>
-                      <a:endParaRPr lang="en-US" sz="100" dirty="0"/>
-                    </a:p>
-                  </a:txBody>
-                  <a:tcPr marL="0" marR="0" marT="0" marB="0" anchor="ctr">
-                    <a:lnL w="3175" cap="flat" cmpd="sng" algn="ctr">
-                      <a:noFill/>
-                      <a:prstDash val="solid"/>
-                      <a:round/>
-                      <a:headEnd type="none" w="med" len="med"/>
-                      <a:tailEnd type="none" w="med" len="med"/>
-                    </a:lnL>
-                    <a:lnR w="3175" cap="flat" cmpd="sng" algn="ctr">
-                      <a:noFill/>
-                      <a:prstDash val="solid"/>
-                      <a:round/>
-                      <a:headEnd type="none" w="med" len="med"/>
-                      <a:tailEnd type="none" w="med" len="med"/>
-                    </a:lnR>
-                    <a:lnT w="3175" cap="flat" cmpd="sng" algn="ctr">
-                      <a:noFill/>
-                      <a:prstDash val="solid"/>
-                      <a:round/>
-                      <a:headEnd type="none" w="med" len="med"/>
-                      <a:tailEnd type="none" w="med" len="med"/>
-                    </a:lnT>
-                    <a:lnB w="3175" cap="flat" cmpd="sng" algn="ctr">
-                      <a:noFill/>
-                      <a:prstDash val="solid"/>
-                      <a:round/>
-                      <a:headEnd type="none" w="med" len="med"/>
-                      <a:tailEnd type="none" w="med" len="med"/>
-                    </a:lnB>
-                    <a:lnTlToBr w="12700" cmpd="sng">
-                      <a:noFill/>
-                      <a:prstDash val="solid"/>
-                    </a:lnTlToBr>
-                    <a:lnBlToTr w="12700" cmpd="sng">
-                      <a:noFill/>
-                      <a:prstDash val="solid"/>
-                    </a:lnBlToTr>
-                    <a:noFill/>
-                  </a:tcPr>
-                </a:tc>
-                <a:tc>
-                  <a:txBody>
-                    <a:bodyPr/>
-                    <a:lstStyle/>
-                    <a:p>
-                      <a:pPr marL="0" lvl="0" algn="ctr" defTabSz="914400" rtl="0" eaLnBrk="1" latinLnBrk="0" hangingPunct="1">
-                        <a:lnSpc>
-                          <a:spcPct val="90000"/>
-                        </a:lnSpc>
-                        <a:spcBef>
-                          <a:spcPct val="0"/>
-                        </a:spcBef>
-                        <a:buNone/>
-                        <a:defRPr/>
-                      </a:pPr>
-                      <a:endParaRPr kumimoji="0" lang="en-US" sz="100" b="0" i="0" u="none" strike="noStrike" kern="1200" cap="none" spc="10" normalizeH="0" baseline="0" dirty="0">
-                        <a:ln>
-                          <a:noFill/>
-                        </a:ln>
-                        <a:solidFill>
-                          <a:schemeClr val="bg1"/>
-                        </a:solidFill>
-                        <a:effectLst/>
-                        <a:uLnTx/>
-                        <a:uFillTx/>
-                        <a:latin typeface="Avenir" panose="02000503020000020003" pitchFamily="2" charset="0"/>
-                        <a:ea typeface="+mn-ea"/>
-                        <a:cs typeface="+mn-cs"/>
-                      </a:endParaRPr>
-                    </a:p>
-                  </a:txBody>
-                  <a:tcPr marL="0" marR="0" marT="0" marB="0" anchor="ctr">
-                    <a:lnL w="3175" cap="flat" cmpd="sng" algn="ctr">
-                      <a:noFill/>
-                      <a:prstDash val="solid"/>
-                      <a:round/>
-                      <a:headEnd type="none" w="med" len="med"/>
-                      <a:tailEnd type="none" w="med" len="med"/>
-                    </a:lnL>
-                    <a:lnR w="3175" cap="flat" cmpd="sng" algn="ctr">
-                      <a:noFill/>
-                      <a:prstDash val="solid"/>
-                      <a:round/>
-                      <a:headEnd type="none" w="med" len="med"/>
-                      <a:tailEnd type="none" w="med" len="med"/>
-                    </a:lnR>
-                    <a:lnT w="3175" cap="flat" cmpd="sng" algn="ctr">
-                      <a:noFill/>
-                      <a:prstDash val="solid"/>
-                      <a:round/>
-                      <a:headEnd type="none" w="med" len="med"/>
-                      <a:tailEnd type="none" w="med" len="med"/>
-                    </a:lnT>
-                    <a:lnB w="3175" cap="flat" cmpd="sng" algn="ctr">
-                      <a:solidFill>
-                        <a:srgbClr val="A7A9B6"/>
-                      </a:solidFill>
-                      <a:prstDash val="solid"/>
-                      <a:round/>
-                      <a:headEnd type="none" w="med" len="med"/>
-                      <a:tailEnd type="none" w="med" len="med"/>
-                    </a:lnB>
-                    <a:lnTlToBr w="12700" cmpd="sng">
-                      <a:noFill/>
-                      <a:prstDash val="solid"/>
-                    </a:lnTlToBr>
-                    <a:lnBlToTr w="12700" cmpd="sng">
-                      <a:noFill/>
-                      <a:prstDash val="solid"/>
-                    </a:lnBlToTr>
-                    <a:noFill/>
-                  </a:tcPr>
-                </a:tc>
-                <a:tc>
-                  <a:txBody>
-                    <a:bodyPr/>
-                    <a:lstStyle/>
-                    <a:p>
-                      <a:endParaRPr lang="en-US" sz="100" dirty="0"/>
-                    </a:p>
-                  </a:txBody>
-                  <a:tcPr marL="0" marR="0" marT="0" marB="0" anchor="ctr">
-                    <a:lnL w="3175" cap="flat" cmpd="sng" algn="ctr">
-                      <a:noFill/>
-                      <a:prstDash val="solid"/>
-                      <a:round/>
-                      <a:headEnd type="none" w="med" len="med"/>
-                      <a:tailEnd type="none" w="med" len="med"/>
-                    </a:lnL>
-                    <a:lnR w="3175" cap="flat" cmpd="sng" algn="ctr">
-                      <a:noFill/>
-                      <a:prstDash val="solid"/>
-                      <a:round/>
-                      <a:headEnd type="none" w="med" len="med"/>
-                      <a:tailEnd type="none" w="med" len="med"/>
-                    </a:lnR>
-                    <a:lnT w="3175" cap="flat" cmpd="sng" algn="ctr">
-                      <a:noFill/>
-                      <a:prstDash val="solid"/>
-                      <a:round/>
-                      <a:headEnd type="none" w="med" len="med"/>
-                      <a:tailEnd type="none" w="med" len="med"/>
-                    </a:lnT>
-                    <a:lnB w="3175" cap="flat" cmpd="sng" algn="ctr">
-                      <a:noFill/>
-                      <a:prstDash val="solid"/>
-                      <a:round/>
-                      <a:headEnd type="none" w="med" len="med"/>
-                      <a:tailEnd type="none" w="med" len="med"/>
-                    </a:lnB>
-                    <a:lnTlToBr w="12700" cmpd="sng">
-                      <a:noFill/>
-                      <a:prstDash val="solid"/>
-                    </a:lnTlToBr>
-                    <a:lnBlToTr w="12700" cmpd="sng">
-                      <a:noFill/>
-                      <a:prstDash val="solid"/>
-                    </a:lnBlToTr>
-                    <a:noFill/>
-                  </a:tcPr>
-                </a:tc>
-                <a:tc>
-                  <a:txBody>
-                    <a:bodyPr/>
-                    <a:lstStyle/>
-                    <a:p>
-                      <a:pPr marL="0" lvl="0" algn="ctr" defTabSz="914400" rtl="0" eaLnBrk="1" latinLnBrk="0" hangingPunct="1">
-                        <a:lnSpc>
-                          <a:spcPct val="90000"/>
-                        </a:lnSpc>
-                        <a:spcBef>
-                          <a:spcPct val="0"/>
-                        </a:spcBef>
-                        <a:buNone/>
-                        <a:defRPr/>
-                      </a:pPr>
-                      <a:endParaRPr kumimoji="0" lang="en-US" sz="100" b="0" i="0" u="none" strike="noStrike" kern="1200" cap="none" spc="10" normalizeH="0" baseline="0" dirty="0">
-                        <a:ln>
-                          <a:noFill/>
-                        </a:ln>
-                        <a:solidFill>
-                          <a:schemeClr val="bg1"/>
-                        </a:solidFill>
-                        <a:effectLst/>
-                        <a:uLnTx/>
-                        <a:uFillTx/>
-                        <a:latin typeface="Avenir" panose="02000503020000020003" pitchFamily="2" charset="0"/>
-                        <a:ea typeface="+mn-ea"/>
-                        <a:cs typeface="+mn-cs"/>
-                      </a:endParaRPr>
-                    </a:p>
-                  </a:txBody>
-                  <a:tcPr marL="0" marR="0" marT="0" marB="0" anchor="ctr">
-                    <a:lnL w="3175" cap="flat" cmpd="sng" algn="ctr">
-                      <a:noFill/>
-                      <a:prstDash val="solid"/>
-                      <a:round/>
-                      <a:headEnd type="none" w="med" len="med"/>
-                      <a:tailEnd type="none" w="med" len="med"/>
-                    </a:lnL>
-                    <a:lnR w="3175" cap="flat" cmpd="sng" algn="ctr">
-                      <a:solidFill>
-                        <a:schemeClr val="bg1"/>
-                      </a:solidFill>
-                      <a:prstDash val="solid"/>
-                      <a:round/>
-                      <a:headEnd type="none" w="med" len="med"/>
-                      <a:tailEnd type="none" w="med" len="med"/>
-                    </a:lnR>
-                    <a:lnT w="3175" cap="flat" cmpd="sng" algn="ctr">
-                      <a:noFill/>
-                      <a:prstDash val="solid"/>
-                      <a:round/>
-                      <a:headEnd type="none" w="med" len="med"/>
-                      <a:tailEnd type="none" w="med" len="med"/>
-                    </a:lnT>
-                    <a:lnB w="3175" cap="flat" cmpd="sng" algn="ctr">
-                      <a:solidFill>
-                        <a:srgbClr val="A7A9B6"/>
-                      </a:solidFill>
-                      <a:prstDash val="solid"/>
-                      <a:round/>
-                      <a:headEnd type="none" w="med" len="med"/>
-                      <a:tailEnd type="none" w="med" len="med"/>
-                    </a:lnB>
-                    <a:lnTlToBr w="12700" cmpd="sng">
-                      <a:noFill/>
-                      <a:prstDash val="solid"/>
-                    </a:lnTlToBr>
-                    <a:lnBlToTr w="12700" cmpd="sng">
-                      <a:noFill/>
-                      <a:prstDash val="solid"/>
-                    </a:lnBlToTr>
-                    <a:noFill/>
-                  </a:tcPr>
-                </a:tc>
-                <a:extLst>
-                  <a:ext uri="{0D108BD9-81ED-4DB2-BD59-A6C34878D82A}">
-                    <a16:rowId xmlns:a16="http://schemas.microsoft.com/office/drawing/2014/main" val="3311096886"/>
-                  </a:ext>
-                </a:extLst>
-              </a:tr>
-              <a:tr h="1015357">
-                <a:tc>
-                  <a:txBody>
-                    <a:bodyPr/>
-                    <a:lstStyle/>
-                    <a:p>
-                      <a:pPr marL="0" marR="0" indent="0" algn="l" defTabSz="914400" rtl="0" eaLnBrk="1" fontAlgn="auto" latinLnBrk="0" hangingPunct="1">
-                        <a:lnSpc>
-                          <a:spcPct val="100000"/>
-                        </a:lnSpc>
-                        <a:spcBef>
-                          <a:spcPts val="0"/>
-                        </a:spcBef>
-                        <a:spcAft>
-                          <a:spcPts val="0"/>
-                        </a:spcAft>
-                        <a:buClrTx/>
-                        <a:buSzTx/>
-                        <a:buFontTx/>
-                        <a:buNone/>
-                        <a:tabLst/>
-                        <a:defRPr/>
-                      </a:pPr>
-                      <a:endParaRPr kumimoji="0" lang="en-US" sz="1200" b="0" i="0" u="none" strike="noStrike" kern="1200" cap="none" spc="20" normalizeH="0" baseline="0" dirty="0">
-                        <a:ln>
-                          <a:noFill/>
-                        </a:ln>
-                        <a:solidFill>
-                          <a:schemeClr val="tx1"/>
-                        </a:solidFill>
-                        <a:effectLst/>
-                        <a:uLnTx/>
-                        <a:uFillTx/>
-                        <a:latin typeface="Avenir Book" panose="02000503020000020003" pitchFamily="2" charset="0"/>
-                        <a:ea typeface="+mn-ea"/>
-                        <a:cs typeface="+mn-cs"/>
-                      </a:endParaRPr>
-                    </a:p>
-                  </a:txBody>
-                  <a:tcPr marL="182880" marR="182880" marT="182880" marB="182880">
-                    <a:lnL w="3175" cap="flat" cmpd="sng" algn="ctr">
-                      <a:solidFill>
-                        <a:srgbClr val="A7A9B6"/>
-                      </a:solidFill>
-                      <a:prstDash val="solid"/>
-                      <a:round/>
-                      <a:headEnd type="none" w="med" len="med"/>
-                      <a:tailEnd type="none" w="med" len="med"/>
-                    </a:lnL>
-                    <a:lnR w="3175" cap="flat" cmpd="sng" algn="ctr">
-                      <a:noFill/>
-                      <a:prstDash val="solid"/>
-                      <a:round/>
-                      <a:headEnd type="none" w="med" len="med"/>
-                      <a:tailEnd type="none" w="med" len="med"/>
-                    </a:lnR>
-                    <a:lnT w="3175" cap="flat" cmpd="sng" algn="ctr">
-                      <a:solidFill>
-                        <a:srgbClr val="A7A9B6"/>
-                      </a:solidFill>
-                      <a:prstDash val="solid"/>
-                      <a:round/>
-                      <a:headEnd type="none" w="med" len="med"/>
-                      <a:tailEnd type="none" w="med" len="med"/>
-                    </a:lnT>
-                    <a:lnB w="3175" cap="flat" cmpd="sng" algn="ctr">
-                      <a:solidFill>
-                        <a:srgbClr val="A7A9B6"/>
-                      </a:solidFill>
-                      <a:prstDash val="solid"/>
-                      <a:round/>
-                      <a:headEnd type="none" w="med" len="med"/>
-                      <a:tailEnd type="none" w="med" len="med"/>
-                    </a:lnB>
-                    <a:solidFill>
-                      <a:srgbClr val="E3E3E8"/>
-                    </a:solidFill>
-                  </a:tcPr>
-                </a:tc>
-                <a:tc>
-                  <a:txBody>
-                    <a:bodyPr/>
-                    <a:lstStyle/>
-                    <a:p>
-                      <a:pPr marL="0" marR="0" indent="0" algn="ctr" defTabSz="914400" rtl="0" eaLnBrk="1" fontAlgn="auto" latinLnBrk="0" hangingPunct="1">
-                        <a:lnSpc>
-                          <a:spcPct val="100000"/>
-                        </a:lnSpc>
-                        <a:spcBef>
-                          <a:spcPts val="0"/>
-                        </a:spcBef>
-                        <a:spcAft>
-                          <a:spcPts val="0"/>
-                        </a:spcAft>
-                        <a:buClrTx/>
-                        <a:buSzTx/>
-                        <a:buFontTx/>
-                        <a:buNone/>
-                        <a:tabLst/>
-                        <a:defRPr/>
-                      </a:pPr>
-                      <a:r>
-                        <a:rPr kumimoji="0" lang="en-US" sz="1200" b="1" i="0" u="none" strike="noStrike" kern="1200" cap="none" spc="0" normalizeH="0" baseline="0" noProof="0" dirty="0">
-                          <a:ln>
-                            <a:noFill/>
-                          </a:ln>
-                          <a:solidFill>
-                            <a:srgbClr val="A7A9B6"/>
-                          </a:solidFill>
-                          <a:effectLst/>
-                          <a:uLnTx/>
-                          <a:uFillTx/>
-                          <a:latin typeface="Font Awesome 5 Free Solid" panose="02000503000000000000" pitchFamily="2" charset="2"/>
-                          <a:ea typeface="+mn-ea"/>
-                          <a:cs typeface="+mn-cs"/>
-                        </a:rPr>
-                        <a:t></a:t>
-                      </a:r>
-                      <a:endParaRPr kumimoji="0" lang="en-US" sz="1400" b="0" i="0" u="none" strike="noStrike" kern="1200" cap="none" spc="10" normalizeH="0" baseline="0" dirty="0">
-                        <a:ln>
-                          <a:noFill/>
-                        </a:ln>
-                        <a:solidFill>
-                          <a:srgbClr val="A7A9B6"/>
-                        </a:solidFill>
-                        <a:effectLst/>
-                        <a:uLnTx/>
-                        <a:uFillTx/>
-                        <a:latin typeface="Avenir" panose="02000503020000020003" pitchFamily="2" charset="0"/>
-                        <a:ea typeface="+mn-ea"/>
-                        <a:cs typeface="+mn-cs"/>
-                      </a:endParaRPr>
-                    </a:p>
-                  </a:txBody>
-                  <a:tcPr marL="0" marR="0" marT="0" marB="0" anchor="ctr">
-                    <a:lnL w="3175" cap="flat" cmpd="sng" algn="ctr">
-                      <a:noFill/>
-                      <a:prstDash val="solid"/>
-                      <a:round/>
-                      <a:headEnd type="none" w="med" len="med"/>
-                      <a:tailEnd type="none" w="med" len="med"/>
-                    </a:lnL>
-                    <a:lnR w="3175" cap="flat" cmpd="sng" algn="ctr">
-                      <a:noFill/>
-                      <a:prstDash val="solid"/>
-                      <a:round/>
-                      <a:headEnd type="none" w="med" len="med"/>
-                      <a:tailEnd type="none" w="med" len="med"/>
-                    </a:lnR>
-                    <a:lnT w="3175" cap="flat" cmpd="sng" algn="ctr">
-                      <a:noFill/>
-                      <a:prstDash val="solid"/>
-                      <a:round/>
-                      <a:headEnd type="none" w="med" len="med"/>
-                      <a:tailEnd type="none" w="med" len="med"/>
-                    </a:lnT>
-                    <a:lnB w="3175" cap="flat" cmpd="sng" algn="ctr">
-                      <a:noFill/>
-                      <a:prstDash val="solid"/>
-                      <a:round/>
-                      <a:headEnd type="none" w="med" len="med"/>
-                      <a:tailEnd type="none" w="med" len="med"/>
-                    </a:lnB>
-                    <a:lnTlToBr w="12700" cmpd="sng">
-                      <a:noFill/>
-                      <a:prstDash val="solid"/>
-                    </a:lnTlToBr>
-                    <a:lnBlToTr w="12700" cmpd="sng">
-                      <a:noFill/>
-                      <a:prstDash val="solid"/>
-                    </a:lnBlToTr>
-                    <a:noFill/>
-                  </a:tcPr>
-                </a:tc>
-                <a:tc>
-                  <a:txBody>
-                    <a:bodyPr/>
-                    <a:lstStyle/>
-                    <a:p>
-                      <a:pPr marL="0" marR="0" indent="0" algn="l" defTabSz="914400" rtl="0" eaLnBrk="1" fontAlgn="auto" latinLnBrk="0" hangingPunct="1">
-                        <a:lnSpc>
-                          <a:spcPct val="100000"/>
-                        </a:lnSpc>
-                        <a:spcBef>
-                          <a:spcPts val="0"/>
-                        </a:spcBef>
-                        <a:spcAft>
-                          <a:spcPts val="0"/>
-                        </a:spcAft>
-                        <a:buClrTx/>
-                        <a:buSzTx/>
-                        <a:buFontTx/>
-                        <a:buNone/>
-                        <a:tabLst/>
-                        <a:defRPr/>
-                      </a:pPr>
-                      <a:endParaRPr kumimoji="0" lang="en-US" sz="1200" b="0" i="0" u="none" strike="noStrike" kern="1200" cap="none" spc="20" normalizeH="0" baseline="0" dirty="0">
-                        <a:ln>
-                          <a:noFill/>
-                        </a:ln>
-                        <a:solidFill>
-                          <a:schemeClr val="tx1"/>
-                        </a:solidFill>
-                        <a:effectLst/>
-                        <a:uLnTx/>
-                        <a:uFillTx/>
-                        <a:latin typeface="Avenir Book" panose="02000503020000020003" pitchFamily="2" charset="0"/>
-                        <a:ea typeface="+mn-ea"/>
-                        <a:cs typeface="+mn-cs"/>
-                      </a:endParaRPr>
-                    </a:p>
-                  </a:txBody>
-                  <a:tcPr marL="182880" marR="182880" marT="182880" marB="182880">
-                    <a:lnL w="3175" cap="flat" cmpd="sng" algn="ctr">
-                      <a:noFill/>
-                      <a:prstDash val="solid"/>
-                      <a:round/>
-                      <a:headEnd type="none" w="med" len="med"/>
-                      <a:tailEnd type="none" w="med" len="med"/>
-                    </a:lnL>
-                    <a:lnR w="3175" cap="flat" cmpd="sng" algn="ctr">
-                      <a:noFill/>
-                      <a:prstDash val="solid"/>
-                      <a:round/>
-                      <a:headEnd type="none" w="med" len="med"/>
-                      <a:tailEnd type="none" w="med" len="med"/>
-                    </a:lnR>
-                    <a:lnT w="3175" cap="flat" cmpd="sng" algn="ctr">
-                      <a:solidFill>
-                        <a:srgbClr val="A7A9B6"/>
-                      </a:solidFill>
-                      <a:prstDash val="solid"/>
-                      <a:round/>
-                      <a:headEnd type="none" w="med" len="med"/>
-                      <a:tailEnd type="none" w="med" len="med"/>
-                    </a:lnT>
-                    <a:lnB w="3175" cap="flat" cmpd="sng" algn="ctr">
-                      <a:solidFill>
-                        <a:srgbClr val="A7A9B6"/>
-                      </a:solidFill>
-                      <a:prstDash val="solid"/>
-                      <a:round/>
-                      <a:headEnd type="none" w="med" len="med"/>
-                      <a:tailEnd type="none" w="med" len="med"/>
-                    </a:lnB>
-                    <a:solidFill>
-                      <a:srgbClr val="E3E3E8"/>
-                    </a:solidFill>
-                  </a:tcPr>
-                </a:tc>
-                <a:tc>
-                  <a:txBody>
-                    <a:bodyPr/>
-                    <a:lstStyle/>
-                    <a:p>
-                      <a:pPr marL="0" marR="0" lvl="0" indent="0" algn="ctr" defTabSz="914400" rtl="0" eaLnBrk="1" fontAlgn="auto" latinLnBrk="0" hangingPunct="1">
-                        <a:lnSpc>
-                          <a:spcPct val="100000"/>
-                        </a:lnSpc>
-                        <a:spcBef>
-                          <a:spcPts val="0"/>
-                        </a:spcBef>
-                        <a:spcAft>
-                          <a:spcPts val="0"/>
-                        </a:spcAft>
-                        <a:buClrTx/>
-                        <a:buSzTx/>
-                        <a:buFontTx/>
-                        <a:buNone/>
-                        <a:tabLst/>
-                        <a:defRPr/>
-                      </a:pPr>
-                      <a:r>
-                        <a:rPr kumimoji="0" lang="en-US" sz="1200" b="1" i="0" u="none" strike="noStrike" kern="1200" cap="none" spc="0" normalizeH="0" baseline="0" noProof="0" dirty="0">
-                          <a:ln>
-                            <a:noFill/>
-                          </a:ln>
-                          <a:solidFill>
-                            <a:srgbClr val="A7A9B6"/>
-                          </a:solidFill>
-                          <a:effectLst/>
-                          <a:uLnTx/>
-                          <a:uFillTx/>
-                          <a:latin typeface="Font Awesome 5 Free Solid" panose="02000503000000000000" pitchFamily="2" charset="2"/>
-                          <a:ea typeface="+mn-ea"/>
-                          <a:cs typeface="+mn-cs"/>
-                        </a:rPr>
-                        <a:t></a:t>
-                      </a:r>
-                      <a:endParaRPr lang="en-US" sz="900" kern="1200" dirty="0">
-                        <a:solidFill>
-                          <a:srgbClr val="A7A9B6"/>
-                        </a:solidFill>
-                        <a:latin typeface="Avenir Book" panose="02000503020000020003" pitchFamily="2" charset="0"/>
-                        <a:ea typeface="+mn-ea"/>
-                        <a:cs typeface="+mn-cs"/>
-                      </a:endParaRPr>
-                    </a:p>
-                  </a:txBody>
-                  <a:tcPr marL="0" marR="0" marT="0" marB="0" anchor="ctr">
-                    <a:lnL w="3175" cap="flat" cmpd="sng" algn="ctr">
-                      <a:noFill/>
-                      <a:prstDash val="solid"/>
-                      <a:round/>
-                      <a:headEnd type="none" w="med" len="med"/>
-                      <a:tailEnd type="none" w="med" len="med"/>
-                    </a:lnL>
-                    <a:lnR w="3175" cap="flat" cmpd="sng" algn="ctr">
-                      <a:noFill/>
-                      <a:prstDash val="solid"/>
-                      <a:round/>
-                      <a:headEnd type="none" w="med" len="med"/>
-                      <a:tailEnd type="none" w="med" len="med"/>
-                    </a:lnR>
-                    <a:lnT w="3175" cap="flat" cmpd="sng" algn="ctr">
-                      <a:noFill/>
-                      <a:prstDash val="solid"/>
-                      <a:round/>
-                      <a:headEnd type="none" w="med" len="med"/>
-                      <a:tailEnd type="none" w="med" len="med"/>
-                    </a:lnT>
-                    <a:lnB w="3175" cap="flat" cmpd="sng" algn="ctr">
-                      <a:noFill/>
-                      <a:prstDash val="solid"/>
-                      <a:round/>
-                      <a:headEnd type="none" w="med" len="med"/>
-                      <a:tailEnd type="none" w="med" len="med"/>
-                    </a:lnB>
-                    <a:lnTlToBr w="12700" cmpd="sng">
-                      <a:noFill/>
-                      <a:prstDash val="solid"/>
-                    </a:lnTlToBr>
-                    <a:lnBlToTr w="12700" cmpd="sng">
-                      <a:noFill/>
-                      <a:prstDash val="solid"/>
-                    </a:lnBlToTr>
-                    <a:noFill/>
-                  </a:tcPr>
-                </a:tc>
-                <a:tc>
-                  <a:txBody>
-                    <a:bodyPr/>
-                    <a:lstStyle/>
-                    <a:p>
-                      <a:pPr marL="0" marR="0" lvl="0" indent="0" algn="l" defTabSz="914400" rtl="0" eaLnBrk="1" fontAlgn="auto" latinLnBrk="0" hangingPunct="1">
-                        <a:lnSpc>
-                          <a:spcPct val="100000"/>
-                        </a:lnSpc>
-                        <a:spcBef>
-                          <a:spcPts val="0"/>
-                        </a:spcBef>
-                        <a:spcAft>
-                          <a:spcPts val="0"/>
-                        </a:spcAft>
-                        <a:buClrTx/>
-                        <a:buSzTx/>
-                        <a:buFontTx/>
-                        <a:buNone/>
-                        <a:tabLst/>
-                        <a:defRPr/>
-                      </a:pPr>
-                      <a:endParaRPr kumimoji="0" lang="en-US" sz="1200" b="0" i="0" u="none" strike="noStrike" kern="1200" cap="none" spc="20" normalizeH="0" baseline="0" dirty="0">
-                        <a:ln>
-                          <a:noFill/>
-                        </a:ln>
-                        <a:solidFill>
-                          <a:schemeClr val="tx1"/>
-                        </a:solidFill>
-                        <a:effectLst/>
-                        <a:uLnTx/>
-                        <a:uFillTx/>
-                        <a:latin typeface="Avenir Book" panose="02000503020000020003" pitchFamily="2" charset="0"/>
-                        <a:ea typeface="+mn-ea"/>
-                        <a:cs typeface="+mn-cs"/>
-                      </a:endParaRPr>
-                    </a:p>
-                  </a:txBody>
-                  <a:tcPr marL="182880" marR="182880" marT="182880" marB="182880">
-                    <a:lnL w="3175" cap="flat" cmpd="sng" algn="ctr">
-                      <a:noFill/>
-                      <a:prstDash val="solid"/>
-                      <a:round/>
-                      <a:headEnd type="none" w="med" len="med"/>
-                      <a:tailEnd type="none" w="med" len="med"/>
-                    </a:lnL>
-                    <a:lnR w="3175" cap="flat" cmpd="sng" algn="ctr">
-                      <a:solidFill>
-                        <a:srgbClr val="A7A9B6"/>
-                      </a:solidFill>
-                      <a:prstDash val="solid"/>
-                      <a:round/>
-                      <a:headEnd type="none" w="med" len="med"/>
-                      <a:tailEnd type="none" w="med" len="med"/>
-                    </a:lnR>
-                    <a:lnT w="3175" cap="flat" cmpd="sng" algn="ctr">
-                      <a:solidFill>
-                        <a:srgbClr val="A7A9B6"/>
-                      </a:solidFill>
-                      <a:prstDash val="solid"/>
-                      <a:round/>
-                      <a:headEnd type="none" w="med" len="med"/>
-                      <a:tailEnd type="none" w="med" len="med"/>
-                    </a:lnT>
-                    <a:lnB w="3175" cap="flat" cmpd="sng" algn="ctr">
-                      <a:solidFill>
-                        <a:srgbClr val="A7A9B6"/>
-                      </a:solidFill>
-                      <a:prstDash val="solid"/>
-                      <a:round/>
-                      <a:headEnd type="none" w="med" len="med"/>
-                      <a:tailEnd type="none" w="med" len="med"/>
-                    </a:lnB>
-                    <a:solidFill>
-                      <a:srgbClr val="E3E3E8"/>
-                    </a:solidFill>
-                  </a:tcPr>
-                </a:tc>
-                <a:extLst>
-                  <a:ext uri="{0D108BD9-81ED-4DB2-BD59-A6C34878D82A}">
-                    <a16:rowId xmlns:a16="http://schemas.microsoft.com/office/drawing/2014/main" val="812920634"/>
-                  </a:ext>
-                </a:extLst>
-              </a:tr>
-            </a:tbl>
-          </a:graphicData>
-        </a:graphic>
-      </p:graphicFrame>
-      <p:graphicFrame>
-        <p:nvGraphicFramePr>
           <p:cNvPr id="25" name="Table 6">
             <a:extLst>
               <a:ext uri="{FF2B5EF4-FFF2-40B4-BE49-F238E27FC236}">
@@ -3161,14 +2511,14 @@
           <p:nvPr userDrawn="1">
             <p:extLst>
               <p:ext uri="{D42A27DB-BD31-4B8C-83A1-F6EECF244321}">
-                <p14:modId xmlns:p14="http://schemas.microsoft.com/office/powerpoint/2010/main" val="3246326136"/>
+                <p14:modId xmlns:p14="http://schemas.microsoft.com/office/powerpoint/2010/main" val="3376877580"/>
               </p:ext>
             </p:extLst>
           </p:nvPr>
         </p:nvGraphicFramePr>
         <p:xfrm>
-          <a:off x="4568551" y="3716771"/>
-          <a:ext cx="7194819" cy="2119181"/>
+          <a:off x="4575310" y="4023762"/>
+          <a:ext cx="7194819" cy="2508080"/>
         </p:xfrm>
         <a:graphic>
           <a:graphicData uri="http://schemas.openxmlformats.org/drawingml/2006/table">
@@ -3199,248 +2549,7 @@
                   </a:extLst>
                 </a:gridCol>
               </a:tblGrid>
-              <a:tr h="319529">
-                <a:tc gridSpan="3">
-                  <a:txBody>
-                    <a:bodyPr/>
-                    <a:lstStyle/>
-                    <a:p>
-                      <a:pPr marL="0" marR="0" lvl="0" indent="0" algn="l" defTabSz="914400" rtl="0" eaLnBrk="1" fontAlgn="auto" latinLnBrk="0" hangingPunct="1">
-                        <a:lnSpc>
-                          <a:spcPct val="90000"/>
-                        </a:lnSpc>
-                        <a:spcBef>
-                          <a:spcPct val="0"/>
-                        </a:spcBef>
-                        <a:spcAft>
-                          <a:spcPts val="0"/>
-                        </a:spcAft>
-                        <a:buClrTx/>
-                        <a:buSzTx/>
-                        <a:buFontTx/>
-                        <a:buNone/>
-                        <a:tabLst/>
-                        <a:defRPr/>
-                      </a:pPr>
-                      <a:r>
-                        <a:rPr kumimoji="0" lang="en-US" sz="1500" b="0" i="0" u="none" strike="noStrike" kern="1200" cap="none" spc="0" normalizeH="0" baseline="0" noProof="0" dirty="0">
-                          <a:ln>
-                            <a:noFill/>
-                          </a:ln>
-                          <a:solidFill>
-                            <a:prstClr val="black"/>
-                          </a:solidFill>
-                          <a:effectLst/>
-                          <a:uLnTx/>
-                          <a:uFillTx/>
-                          <a:latin typeface="Avenir Medium" panose="02000503020000020003" pitchFamily="2" charset="0"/>
-                          <a:ea typeface="+mn-ea"/>
-                          <a:cs typeface="+mn-cs"/>
-                        </a:rPr>
-                        <a:t>Action Plan</a:t>
-                      </a:r>
-                    </a:p>
-                  </a:txBody>
-                  <a:tcPr anchor="ctr">
-                    <a:lnL w="57150" cap="flat" cmpd="sng" algn="ctr">
-                      <a:noFill/>
-                      <a:prstDash val="solid"/>
-                      <a:round/>
-                      <a:headEnd type="none" w="med" len="med"/>
-                      <a:tailEnd type="none" w="med" len="med"/>
-                    </a:lnL>
-                    <a:lnR w="57150" cap="flat" cmpd="sng" algn="ctr">
-                      <a:noFill/>
-                      <a:prstDash val="solid"/>
-                      <a:round/>
-                      <a:headEnd type="none" w="med" len="med"/>
-                      <a:tailEnd type="none" w="med" len="med"/>
-                    </a:lnR>
-                    <a:lnT w="3175" cap="flat" cmpd="sng" algn="ctr">
-                      <a:noFill/>
-                      <a:prstDash val="solid"/>
-                      <a:round/>
-                      <a:headEnd type="none" w="med" len="med"/>
-                      <a:tailEnd type="none" w="med" len="med"/>
-                    </a:lnT>
-                    <a:lnB w="57150" cap="flat" cmpd="sng" algn="ctr">
-                      <a:noFill/>
-                      <a:prstDash val="solid"/>
-                      <a:round/>
-                      <a:headEnd type="none" w="med" len="med"/>
-                      <a:tailEnd type="none" w="med" len="med"/>
-                    </a:lnB>
-                    <a:lnTlToBr w="12700" cmpd="sng">
-                      <a:noFill/>
-                      <a:prstDash val="solid"/>
-                    </a:lnTlToBr>
-                    <a:lnBlToTr w="12700" cmpd="sng">
-                      <a:noFill/>
-                      <a:prstDash val="solid"/>
-                    </a:lnBlToTr>
-                    <a:noFill/>
-                  </a:tcPr>
-                </a:tc>
-                <a:tc hMerge="1">
-                  <a:txBody>
-                    <a:bodyPr/>
-                    <a:lstStyle/>
-                    <a:p>
-                      <a:pPr marL="0" marR="0" lvl="0" indent="0" algn="ctr" defTabSz="914400" rtl="0" eaLnBrk="1" fontAlgn="auto" latinLnBrk="0" hangingPunct="1">
-                        <a:lnSpc>
-                          <a:spcPct val="100000"/>
-                        </a:lnSpc>
-                        <a:spcBef>
-                          <a:spcPts val="0"/>
-                        </a:spcBef>
-                        <a:spcAft>
-                          <a:spcPts val="0"/>
-                        </a:spcAft>
-                        <a:buClrTx/>
-                        <a:buSzTx/>
-                        <a:buFontTx/>
-                        <a:buNone/>
-                        <a:tabLst/>
-                        <a:defRPr/>
-                      </a:pPr>
-                      <a:endParaRPr lang="en-US" sz="900" kern="1200" dirty="0">
-                        <a:solidFill>
-                          <a:srgbClr val="000000"/>
-                        </a:solidFill>
-                        <a:latin typeface="Avenir Book" panose="02000503020000020003" pitchFamily="2" charset="0"/>
-                        <a:ea typeface="+mn-ea"/>
-                        <a:cs typeface="+mn-cs"/>
-                      </a:endParaRPr>
-                    </a:p>
-                  </a:txBody>
-                  <a:tcPr anchor="ctr">
-                    <a:lnL w="57150" cap="flat" cmpd="sng" algn="ctr">
-                      <a:noFill/>
-                      <a:prstDash val="solid"/>
-                      <a:round/>
-                      <a:headEnd type="none" w="med" len="med"/>
-                      <a:tailEnd type="none" w="med" len="med"/>
-                    </a:lnL>
-                    <a:lnR w="57150" cap="flat" cmpd="sng" algn="ctr">
-                      <a:noFill/>
-                      <a:prstDash val="solid"/>
-                      <a:round/>
-                      <a:headEnd type="none" w="med" len="med"/>
-                      <a:tailEnd type="none" w="med" len="med"/>
-                    </a:lnR>
-                    <a:lnT w="3175" cap="flat" cmpd="sng" algn="ctr">
-                      <a:solidFill>
-                        <a:schemeClr val="bg1"/>
-                      </a:solidFill>
-                      <a:prstDash val="solid"/>
-                      <a:round/>
-                      <a:headEnd type="none" w="med" len="med"/>
-                      <a:tailEnd type="none" w="med" len="med"/>
-                    </a:lnT>
-                    <a:lnB w="3175" cap="flat" cmpd="sng" algn="ctr">
-                      <a:solidFill>
-                        <a:schemeClr val="bg1"/>
-                      </a:solidFill>
-                      <a:prstDash val="solid"/>
-                      <a:round/>
-                      <a:headEnd type="none" w="med" len="med"/>
-                      <a:tailEnd type="none" w="med" len="med"/>
-                    </a:lnB>
-                    <a:lnTlToBr w="12700" cmpd="sng">
-                      <a:noFill/>
-                      <a:prstDash val="solid"/>
-                    </a:lnTlToBr>
-                    <a:lnBlToTr w="12700" cmpd="sng">
-                      <a:noFill/>
-                      <a:prstDash val="solid"/>
-                    </a:lnBlToTr>
-                    <a:noFill/>
-                  </a:tcPr>
-                </a:tc>
-                <a:tc hMerge="1">
-                  <a:txBody>
-                    <a:bodyPr/>
-                    <a:lstStyle/>
-                    <a:p>
-                      <a:pPr marL="0" lvl="0" algn="ctr" defTabSz="914400" rtl="0" eaLnBrk="1" latinLnBrk="0" hangingPunct="1">
-                        <a:lnSpc>
-                          <a:spcPct val="90000"/>
-                        </a:lnSpc>
-                        <a:spcBef>
-                          <a:spcPct val="0"/>
-                        </a:spcBef>
-                        <a:buNone/>
-                        <a:defRPr/>
-                      </a:pPr>
-                      <a:endParaRPr kumimoji="0" lang="en-US" sz="1400" b="0" i="0" u="none" strike="noStrike" kern="1200" cap="none" spc="10" normalizeH="0" baseline="0" dirty="0">
-                        <a:ln>
-                          <a:noFill/>
-                        </a:ln>
-                        <a:solidFill>
-                          <a:schemeClr val="bg1"/>
-                        </a:solidFill>
-                        <a:effectLst/>
-                        <a:uLnTx/>
-                        <a:uFillTx/>
-                        <a:latin typeface="Avenir" panose="02000503020000020003" pitchFamily="2" charset="0"/>
-                        <a:ea typeface="+mn-ea"/>
-                        <a:cs typeface="+mn-cs"/>
-                      </a:endParaRPr>
-                    </a:p>
-                  </a:txBody>
-                  <a:tcPr anchor="ctr">
-                    <a:lnL w="57150" cap="flat" cmpd="sng" algn="ctr">
-                      <a:noFill/>
-                      <a:prstDash val="solid"/>
-                      <a:round/>
-                      <a:headEnd type="none" w="med" len="med"/>
-                      <a:tailEnd type="none" w="med" len="med"/>
-                    </a:lnL>
-                    <a:lnR w="57150" cap="flat" cmpd="sng" algn="ctr">
-                      <a:noFill/>
-                      <a:prstDash val="solid"/>
-                      <a:round/>
-                      <a:headEnd type="none" w="med" len="med"/>
-                      <a:tailEnd type="none" w="med" len="med"/>
-                    </a:lnR>
-                    <a:lnT w="3175" cap="flat" cmpd="sng" algn="ctr">
-                      <a:solidFill>
-                        <a:schemeClr val="bg1"/>
-                      </a:solidFill>
-                      <a:prstDash val="solid"/>
-                      <a:round/>
-                      <a:headEnd type="none" w="med" len="med"/>
-                      <a:tailEnd type="none" w="med" len="med"/>
-                    </a:lnT>
-                    <a:lnB w="57150" cap="flat" cmpd="sng" algn="ctr">
-                      <a:solidFill>
-                        <a:schemeClr val="bg1"/>
-                      </a:solidFill>
-                      <a:prstDash val="solid"/>
-                      <a:round/>
-                      <a:headEnd type="none" w="med" len="med"/>
-                      <a:tailEnd type="none" w="med" len="med"/>
-                    </a:lnB>
-                    <a:lnTlToBr w="12700" cmpd="sng">
-                      <a:noFill/>
-                      <a:prstDash val="solid"/>
-                    </a:lnTlToBr>
-                    <a:lnBlToTr w="12700" cmpd="sng">
-                      <a:noFill/>
-                      <a:prstDash val="solid"/>
-                    </a:lnBlToTr>
-                    <a:solidFill>
-                      <a:schemeClr val="accent1"/>
-                    </a:solidFill>
-                  </a:tcPr>
-                </a:tc>
-                <a:extLst>
-                  <a:ext uri="{0D108BD9-81ED-4DB2-BD59-A6C34878D82A}">
-                    <a16:rowId xmlns:a16="http://schemas.microsoft.com/office/drawing/2014/main" val="2794877592"/>
-                  </a:ext>
-                </a:extLst>
-              </a:tr>
-              <a:tr h="83472">
+              <a:tr h="27314">
                 <a:tc gridSpan="3">
                   <a:txBody>
                     <a:bodyPr/>
@@ -3545,8 +2654,8 @@
                   </a:ext>
                 </a:extLst>
               </a:tr>
-              <a:tr h="366870">
-                <a:tc>
+              <a:tr h="297380">
+                <a:tc gridSpan="3">
                   <a:txBody>
                     <a:bodyPr/>
                     <a:lstStyle/>
@@ -3576,11 +2685,11 @@
                           <a:ea typeface="+mn-ea"/>
                           <a:cs typeface="+mn-cs"/>
                         </a:rPr>
-                        <a:t>Mitigation</a:t>
+                        <a:t>Risk Plan</a:t>
                       </a:r>
                     </a:p>
                   </a:txBody>
-                  <a:tcPr marL="0" marR="0" marT="0" marB="0" anchor="ctr">
+                  <a:tcPr anchor="ctr">
                     <a:lnL w="3175" cap="flat" cmpd="sng" algn="ctr">
                       <a:noFill/>
                       <a:prstDash val="solid"/>
@@ -3588,7 +2697,7 @@
                       <a:headEnd type="none" w="med" len="med"/>
                       <a:tailEnd type="none" w="med" len="med"/>
                     </a:lnL>
-                    <a:lnR w="57150" cap="flat" cmpd="sng" algn="ctr">
+                    <a:lnR w="3175" cap="flat" cmpd="sng" algn="ctr">
                       <a:noFill/>
                       <a:prstDash val="solid"/>
                       <a:round/>
@@ -3632,7 +2741,7 @@
                     </a:gradFill>
                   </a:tcPr>
                 </a:tc>
-                <a:tc>
+                <a:tc hMerge="1">
                   <a:txBody>
                     <a:bodyPr/>
                     <a:lstStyle/>
@@ -3664,7 +2773,7 @@
                       </a:endParaRPr>
                     </a:p>
                   </a:txBody>
-                  <a:tcPr marL="0" marR="0" marT="0" marB="0" anchor="ctr">
+                  <a:tcPr anchor="ctr">
                     <a:lnL w="57150" cap="flat" cmpd="sng" algn="ctr">
                       <a:noFill/>
                       <a:prstDash val="solid"/>
@@ -3704,7 +2813,7 @@
                     <a:noFill/>
                   </a:tcPr>
                 </a:tc>
-                <a:tc>
+                <a:tc hMerge="1">
                   <a:txBody>
                     <a:bodyPr/>
                     <a:lstStyle/>
@@ -3719,26 +2828,23 @@
                         <a:buNone/>
                         <a:defRPr/>
                       </a:pPr>
-                      <a:r>
-                        <a:rPr kumimoji="0" lang="en-US" sz="1400" b="0" i="0" u="none" strike="noStrike" kern="1200" cap="none" spc="10" normalizeH="0" baseline="0" dirty="0">
-                          <a:ln>
-                            <a:noFill/>
-                          </a:ln>
-                          <a:solidFill>
-                            <a:schemeClr val="bg1"/>
-                          </a:solidFill>
-                          <a:effectLst/>
-                          <a:uLnTx/>
-                          <a:uFillTx/>
-                          <a:latin typeface="Avenir" panose="02000503020000020003" pitchFamily="2" charset="0"/>
-                          <a:ea typeface="+mn-ea"/>
-                          <a:cs typeface="+mn-cs"/>
-                        </a:rPr>
-                        <a:t>Contingency</a:t>
-                      </a:r>
+                      <a:endParaRPr kumimoji="0" lang="en-US" sz="1400" b="0" i="0" u="none" strike="noStrike" kern="1200" cap="none" spc="10" normalizeH="0" baseline="0" dirty="0">
+                        <a:ln>
+                          <a:noFill/>
+                        </a:ln>
+                        <a:solidFill>
+                          <a:schemeClr val="bg1"/>
+                        </a:solidFill>
+                        <a:effectLst/>
+                        <a:uLnTx/>
+                        <a:uFillTx/>
+                        <a:latin typeface="Avenir" panose="02000503020000020003" pitchFamily="2" charset="0"/>
+                        <a:ea typeface="+mn-ea"/>
+                        <a:cs typeface="+mn-cs"/>
+                      </a:endParaRPr>
                     </a:p>
                   </a:txBody>
-                  <a:tcPr marL="0" marR="0" marT="0" marB="0" anchor="ctr">
+                  <a:tcPr anchor="ctr">
                     <a:lnL w="57150" cap="flat" cmpd="sng" algn="ctr">
                       <a:noFill/>
                       <a:prstDash val="solid"/>
@@ -3790,51 +2896,52 @@
                 </a:tc>
                 <a:extLst>
                   <a:ext uri="{0D108BD9-81ED-4DB2-BD59-A6C34878D82A}">
-                    <a16:rowId xmlns:a16="http://schemas.microsoft.com/office/drawing/2014/main" val="2209119933"/>
+                    <a16:rowId xmlns:a16="http://schemas.microsoft.com/office/drawing/2014/main" val="2369649699"/>
                   </a:ext>
                 </a:extLst>
               </a:tr>
-              <a:tr h="81511">
+              <a:tr h="63618">
                 <a:tc>
                   <a:txBody>
                     <a:bodyPr/>
                     <a:lstStyle/>
                     <a:p>
-                      <a:pPr marL="0" lvl="0" algn="ctr" defTabSz="914400" rtl="0" eaLnBrk="1" latinLnBrk="0" hangingPunct="1">
+                      <a:pPr marL="0" marR="0" lvl="0" indent="0" algn="ctr" defTabSz="914400" rtl="0" eaLnBrk="1" fontAlgn="auto" latinLnBrk="0" hangingPunct="1">
                         <a:lnSpc>
-                          <a:spcPct val="90000"/>
+                          <a:spcPct val="100000"/>
                         </a:lnSpc>
                         <a:spcBef>
-                          <a:spcPct val="0"/>
+                          <a:spcPts val="0"/>
                         </a:spcBef>
+                        <a:spcAft>
+                          <a:spcPts val="0"/>
+                        </a:spcAft>
+                        <a:buClrTx/>
+                        <a:buSzTx/>
+                        <a:buFontTx/>
                         <a:buNone/>
+                        <a:tabLst/>
                         <a:defRPr/>
                       </a:pPr>
-                      <a:endParaRPr kumimoji="0" lang="en-US" sz="300" b="0" i="0" u="none" strike="noStrike" kern="1200" cap="none" spc="10" normalizeH="0" baseline="0" dirty="0">
-                        <a:ln>
-                          <a:noFill/>
-                        </a:ln>
+                      <a:endParaRPr lang="en-US" sz="100" kern="1200" spc="20" dirty="0">
                         <a:solidFill>
-                          <a:schemeClr val="bg1"/>
+                          <a:schemeClr val="tx1"/>
                         </a:solidFill>
-                        <a:effectLst/>
-                        <a:uLnTx/>
-                        <a:uFillTx/>
-                        <a:latin typeface="Avenir" panose="02000503020000020003" pitchFamily="2" charset="0"/>
+                        <a:latin typeface="Avenir Book" panose="02000503020000020003" pitchFamily="2" charset="0"/>
                         <a:ea typeface="+mn-ea"/>
                         <a:cs typeface="+mn-cs"/>
                       </a:endParaRPr>
                     </a:p>
                   </a:txBody>
                   <a:tcPr marL="0" marR="0" marT="0" marB="0" anchor="ctr">
-                    <a:lnL w="57150" cap="flat" cmpd="sng" algn="ctr">
+                    <a:lnL w="3175" cap="flat" cmpd="sng" algn="ctr">
                       <a:noFill/>
                       <a:prstDash val="solid"/>
                       <a:round/>
                       <a:headEnd type="none" w="med" len="med"/>
                       <a:tailEnd type="none" w="med" len="med"/>
                     </a:lnL>
-                    <a:lnR w="3175" cap="flat" cmpd="sng" algn="ctr">
+                    <a:lnR w="57150" cap="flat" cmpd="sng" algn="ctr">
                       <a:noFill/>
                       <a:prstDash val="solid"/>
                       <a:round/>
@@ -3873,18 +2980,42 @@
                     <a:bodyPr/>
                     <a:lstStyle/>
                     <a:p>
-                      <a:endParaRPr lang="en-US" sz="300" dirty="0"/>
+                      <a:pPr marL="0" marR="0" lvl="0" indent="0" algn="ctr" defTabSz="914400" rtl="0" eaLnBrk="1" fontAlgn="auto" latinLnBrk="0" hangingPunct="1">
+                        <a:lnSpc>
+                          <a:spcPct val="100000"/>
+                        </a:lnSpc>
+                        <a:spcBef>
+                          <a:spcPts val="0"/>
+                        </a:spcBef>
+                        <a:spcAft>
+                          <a:spcPts val="0"/>
+                        </a:spcAft>
+                        <a:buClrTx/>
+                        <a:buSzTx/>
+                        <a:buFontTx/>
+                        <a:buNone/>
+                        <a:tabLst/>
+                        <a:defRPr/>
+                      </a:pPr>
+                      <a:endParaRPr lang="en-US" sz="100" kern="1200" spc="20" dirty="0">
+                        <a:solidFill>
+                          <a:schemeClr val="tx1"/>
+                        </a:solidFill>
+                        <a:latin typeface="Avenir Book" panose="02000503020000020003" pitchFamily="2" charset="0"/>
+                        <a:ea typeface="+mn-ea"/>
+                        <a:cs typeface="+mn-cs"/>
+                      </a:endParaRPr>
                     </a:p>
                   </a:txBody>
                   <a:tcPr marL="0" marR="0" marT="0" marB="0" anchor="ctr">
-                    <a:lnL w="3175" cap="flat" cmpd="sng" algn="ctr">
+                    <a:lnL w="57150" cap="flat" cmpd="sng" algn="ctr">
                       <a:noFill/>
                       <a:prstDash val="solid"/>
                       <a:round/>
                       <a:headEnd type="none" w="med" len="med"/>
                       <a:tailEnd type="none" w="med" len="med"/>
                     </a:lnL>
-                    <a:lnR w="3175" cap="flat" cmpd="sng" algn="ctr">
+                    <a:lnR w="57150" cap="flat" cmpd="sng" algn="ctr">
                       <a:noFill/>
                       <a:prstDash val="solid"/>
                       <a:round/>
@@ -3921,41 +3052,42 @@
                     <a:bodyPr/>
                     <a:lstStyle/>
                     <a:p>
-                      <a:pPr marL="0" lvl="0" algn="ctr" defTabSz="914400" rtl="0" eaLnBrk="1" latinLnBrk="0" hangingPunct="1">
+                      <a:pPr marL="0" marR="0" lvl="0" indent="0" algn="ctr" defTabSz="914400" rtl="0" eaLnBrk="1" fontAlgn="auto" latinLnBrk="0" hangingPunct="1">
                         <a:lnSpc>
-                          <a:spcPct val="90000"/>
+                          <a:spcPct val="100000"/>
                         </a:lnSpc>
                         <a:spcBef>
-                          <a:spcPct val="0"/>
+                          <a:spcPts val="0"/>
                         </a:spcBef>
+                        <a:spcAft>
+                          <a:spcPts val="0"/>
+                        </a:spcAft>
+                        <a:buClrTx/>
+                        <a:buSzTx/>
+                        <a:buFontTx/>
                         <a:buNone/>
+                        <a:tabLst/>
                         <a:defRPr/>
                       </a:pPr>
-                      <a:endParaRPr kumimoji="0" lang="en-US" sz="300" b="0" i="0" u="none" strike="noStrike" kern="1200" cap="none" spc="10" normalizeH="0" baseline="0" dirty="0">
-                        <a:ln>
-                          <a:noFill/>
-                        </a:ln>
+                      <a:endParaRPr lang="en-US" sz="100" kern="1200" spc="20" dirty="0">
                         <a:solidFill>
-                          <a:schemeClr val="bg1"/>
+                          <a:schemeClr val="tx1"/>
                         </a:solidFill>
-                        <a:effectLst/>
-                        <a:uLnTx/>
-                        <a:uFillTx/>
-                        <a:latin typeface="Avenir" panose="02000503020000020003" pitchFamily="2" charset="0"/>
+                        <a:latin typeface="Avenir Book" panose="02000503020000020003" pitchFamily="2" charset="0"/>
                         <a:ea typeface="+mn-ea"/>
                         <a:cs typeface="+mn-cs"/>
                       </a:endParaRPr>
                     </a:p>
                   </a:txBody>
                   <a:tcPr marL="0" marR="0" marT="0" marB="0" anchor="ctr">
-                    <a:lnL w="3175" cap="flat" cmpd="sng" algn="ctr">
+                    <a:lnL w="57150" cap="flat" cmpd="sng" algn="ctr">
                       <a:noFill/>
                       <a:prstDash val="solid"/>
                       <a:round/>
                       <a:headEnd type="none" w="med" len="med"/>
                       <a:tailEnd type="none" w="med" len="med"/>
                     </a:lnL>
-                    <a:lnR w="57150" cap="flat" cmpd="sng" algn="ctr">
+                    <a:lnR w="3175" cap="flat" cmpd="sng" algn="ctr">
                       <a:noFill/>
                       <a:prstDash val="solid"/>
                       <a:round/>
@@ -3969,7 +3101,7 @@
                       <a:headEnd type="none" w="med" len="med"/>
                       <a:tailEnd type="none" w="med" len="med"/>
                     </a:lnT>
-                    <a:lnB w="3175" cap="flat" cmpd="sng" algn="ctr">
+                    <a:lnB w="6350" cap="flat" cmpd="sng" algn="ctr">
                       <a:solidFill>
                         <a:srgbClr val="A7A9B6"/>
                       </a:solidFill>
@@ -3991,11 +3123,260 @@
                 </a:tc>
                 <a:extLst>
                   <a:ext uri="{0D108BD9-81ED-4DB2-BD59-A6C34878D82A}">
-                    <a16:rowId xmlns:a16="http://schemas.microsoft.com/office/drawing/2014/main" val="1788407283"/>
+                    <a16:rowId xmlns:a16="http://schemas.microsoft.com/office/drawing/2014/main" val="4169860188"/>
                   </a:ext>
                 </a:extLst>
               </a:tr>
-              <a:tr h="1267799">
+              <a:tr h="297380">
+                <a:tc>
+                  <a:txBody>
+                    <a:bodyPr/>
+                    <a:lstStyle/>
+                    <a:p>
+                      <a:pPr marL="0" marR="0" lvl="0" indent="0" algn="ctr" defTabSz="914400" rtl="0" eaLnBrk="1" fontAlgn="auto" latinLnBrk="0" hangingPunct="1">
+                        <a:lnSpc>
+                          <a:spcPct val="100000"/>
+                        </a:lnSpc>
+                        <a:spcBef>
+                          <a:spcPts val="0"/>
+                        </a:spcBef>
+                        <a:spcAft>
+                          <a:spcPts val="0"/>
+                        </a:spcAft>
+                        <a:buClrTx/>
+                        <a:buSzTx/>
+                        <a:buFontTx/>
+                        <a:buNone/>
+                        <a:tabLst/>
+                        <a:defRPr/>
+                      </a:pPr>
+                      <a:r>
+                        <a:rPr lang="en-US" sz="1200" kern="1200" spc="20" dirty="0">
+                          <a:solidFill>
+                            <a:schemeClr val="tx1"/>
+                          </a:solidFill>
+                          <a:latin typeface="Avenir Book" panose="02000503020000020003" pitchFamily="2" charset="0"/>
+                          <a:ea typeface="+mn-ea"/>
+                          <a:cs typeface="+mn-cs"/>
+                        </a:rPr>
+                        <a:t>Mitigation</a:t>
+                      </a:r>
+                    </a:p>
+                  </a:txBody>
+                  <a:tcPr anchor="ctr">
+                    <a:lnL w="6350" cap="flat" cmpd="sng" algn="ctr">
+                      <a:solidFill>
+                        <a:srgbClr val="A7A9B6"/>
+                      </a:solidFill>
+                      <a:prstDash val="solid"/>
+                      <a:round/>
+                      <a:headEnd type="none" w="med" len="med"/>
+                      <a:tailEnd type="none" w="med" len="med"/>
+                    </a:lnL>
+                    <a:lnR w="6350" cap="flat" cmpd="sng" algn="ctr">
+                      <a:solidFill>
+                        <a:srgbClr val="A7A9B6"/>
+                      </a:solidFill>
+                      <a:prstDash val="solid"/>
+                      <a:round/>
+                      <a:headEnd type="none" w="med" len="med"/>
+                      <a:tailEnd type="none" w="med" len="med"/>
+                    </a:lnR>
+                    <a:lnT w="6350" cap="flat" cmpd="sng" algn="ctr">
+                      <a:solidFill>
+                        <a:srgbClr val="A7A9B6"/>
+                      </a:solidFill>
+                      <a:prstDash val="solid"/>
+                      <a:round/>
+                      <a:headEnd type="none" w="med" len="med"/>
+                      <a:tailEnd type="none" w="med" len="med"/>
+                    </a:lnT>
+                    <a:lnB w="6350" cap="flat" cmpd="sng" algn="ctr">
+                      <a:noFill/>
+                      <a:prstDash val="solid"/>
+                      <a:round/>
+                      <a:headEnd type="none" w="med" len="med"/>
+                      <a:tailEnd type="none" w="med" len="med"/>
+                    </a:lnB>
+                    <a:lnTlToBr w="12700" cmpd="sng">
+                      <a:noFill/>
+                      <a:prstDash val="solid"/>
+                    </a:lnTlToBr>
+                    <a:lnBlToTr w="12700" cmpd="sng">
+                      <a:noFill/>
+                      <a:prstDash val="solid"/>
+                    </a:lnBlToTr>
+                    <a:solidFill>
+                      <a:srgbClr val="E3E3E8"/>
+                    </a:solidFill>
+                  </a:tcPr>
+                </a:tc>
+                <a:tc>
+                  <a:txBody>
+                    <a:bodyPr/>
+                    <a:lstStyle/>
+                    <a:p>
+                      <a:pPr marL="0" marR="0" lvl="0" indent="0" algn="ctr" defTabSz="914400" rtl="0" eaLnBrk="1" fontAlgn="auto" latinLnBrk="0" hangingPunct="1">
+                        <a:lnSpc>
+                          <a:spcPct val="100000"/>
+                        </a:lnSpc>
+                        <a:spcBef>
+                          <a:spcPts val="0"/>
+                        </a:spcBef>
+                        <a:spcAft>
+                          <a:spcPts val="0"/>
+                        </a:spcAft>
+                        <a:buClrTx/>
+                        <a:buSzTx/>
+                        <a:buFontTx/>
+                        <a:buNone/>
+                        <a:tabLst/>
+                        <a:defRPr/>
+                      </a:pPr>
+                      <a:endParaRPr lang="en-US" sz="1200" kern="1200" spc="20" dirty="0">
+                        <a:solidFill>
+                          <a:schemeClr val="tx1"/>
+                        </a:solidFill>
+                        <a:latin typeface="Avenir Book" panose="02000503020000020003" pitchFamily="2" charset="0"/>
+                        <a:ea typeface="+mn-ea"/>
+                        <a:cs typeface="+mn-cs"/>
+                      </a:endParaRPr>
+                    </a:p>
+                  </a:txBody>
+                  <a:tcPr anchor="ctr">
+                    <a:lnL w="6350" cap="flat" cmpd="sng" algn="ctr">
+                      <a:solidFill>
+                        <a:srgbClr val="A7A9B6"/>
+                      </a:solidFill>
+                      <a:prstDash val="solid"/>
+                      <a:round/>
+                      <a:headEnd type="none" w="med" len="med"/>
+                      <a:tailEnd type="none" w="med" len="med"/>
+                    </a:lnL>
+                    <a:lnR w="6350" cap="flat" cmpd="sng" algn="ctr">
+                      <a:solidFill>
+                        <a:srgbClr val="A7A9B6"/>
+                      </a:solidFill>
+                      <a:prstDash val="solid"/>
+                      <a:round/>
+                      <a:headEnd type="none" w="med" len="med"/>
+                      <a:tailEnd type="none" w="med" len="med"/>
+                    </a:lnR>
+                    <a:lnT w="3175" cap="flat" cmpd="sng" algn="ctr">
+                      <a:noFill/>
+                      <a:prstDash val="solid"/>
+                      <a:round/>
+                      <a:headEnd type="none" w="med" len="med"/>
+                      <a:tailEnd type="none" w="med" len="med"/>
+                    </a:lnT>
+                    <a:lnB w="3175" cap="flat" cmpd="sng" algn="ctr">
+                      <a:noFill/>
+                      <a:prstDash val="solid"/>
+                      <a:round/>
+                      <a:headEnd type="none" w="med" len="med"/>
+                      <a:tailEnd type="none" w="med" len="med"/>
+                    </a:lnB>
+                    <a:lnTlToBr w="12700" cmpd="sng">
+                      <a:noFill/>
+                      <a:prstDash val="solid"/>
+                    </a:lnTlToBr>
+                    <a:lnBlToTr w="12700" cmpd="sng">
+                      <a:noFill/>
+                      <a:prstDash val="solid"/>
+                    </a:lnBlToTr>
+                    <a:noFill/>
+                  </a:tcPr>
+                </a:tc>
+                <a:tc>
+                  <a:txBody>
+                    <a:bodyPr/>
+                    <a:lstStyle/>
+                    <a:p>
+                      <a:pPr marL="0" marR="0" lvl="0" indent="0" algn="ctr" defTabSz="914400" rtl="0" eaLnBrk="1" fontAlgn="auto" latinLnBrk="0" hangingPunct="1">
+                        <a:lnSpc>
+                          <a:spcPct val="100000"/>
+                        </a:lnSpc>
+                        <a:spcBef>
+                          <a:spcPts val="0"/>
+                        </a:spcBef>
+                        <a:spcAft>
+                          <a:spcPts val="0"/>
+                        </a:spcAft>
+                        <a:buClrTx/>
+                        <a:buSzTx/>
+                        <a:buFontTx/>
+                        <a:buNone/>
+                        <a:tabLst/>
+                        <a:defRPr/>
+                      </a:pPr>
+                      <a:r>
+                        <a:rPr lang="en-US" sz="1200" kern="1200" spc="20" dirty="0">
+                          <a:solidFill>
+                            <a:schemeClr val="tx1"/>
+                          </a:solidFill>
+                          <a:latin typeface="Avenir Book" panose="02000503020000020003" pitchFamily="2" charset="0"/>
+                          <a:ea typeface="+mn-ea"/>
+                          <a:cs typeface="+mn-cs"/>
+                        </a:rPr>
+                        <a:t>Contingency</a:t>
+                      </a:r>
+                    </a:p>
+                  </a:txBody>
+                  <a:tcPr anchor="ctr">
+                    <a:lnL w="6350" cap="flat" cmpd="sng" algn="ctr">
+                      <a:solidFill>
+                        <a:srgbClr val="A7A9B6"/>
+                      </a:solidFill>
+                      <a:prstDash val="solid"/>
+                      <a:round/>
+                      <a:headEnd type="none" w="med" len="med"/>
+                      <a:tailEnd type="none" w="med" len="med"/>
+                    </a:lnL>
+                    <a:lnR w="6350" cap="flat" cmpd="sng" algn="ctr">
+                      <a:solidFill>
+                        <a:srgbClr val="A7A9B6"/>
+                      </a:solidFill>
+                      <a:prstDash val="solid"/>
+                      <a:round/>
+                      <a:headEnd type="none" w="med" len="med"/>
+                      <a:tailEnd type="none" w="med" len="med"/>
+                    </a:lnR>
+                    <a:lnT w="6350" cap="flat" cmpd="sng" algn="ctr">
+                      <a:solidFill>
+                        <a:srgbClr val="A7A9B6"/>
+                      </a:solidFill>
+                      <a:prstDash val="solid"/>
+                      <a:round/>
+                      <a:headEnd type="none" w="med" len="med"/>
+                      <a:tailEnd type="none" w="med" len="med"/>
+                    </a:lnT>
+                    <a:lnB w="6350" cap="flat" cmpd="sng" algn="ctr">
+                      <a:noFill/>
+                      <a:prstDash val="solid"/>
+                      <a:round/>
+                      <a:headEnd type="none" w="med" len="med"/>
+                      <a:tailEnd type="none" w="med" len="med"/>
+                    </a:lnB>
+                    <a:lnTlToBr w="12700" cmpd="sng">
+                      <a:noFill/>
+                      <a:prstDash val="solid"/>
+                    </a:lnTlToBr>
+                    <a:lnBlToTr w="12700" cmpd="sng">
+                      <a:noFill/>
+                      <a:prstDash val="solid"/>
+                    </a:lnBlToTr>
+                    <a:solidFill>
+                      <a:srgbClr val="E3E3E8"/>
+                    </a:solidFill>
+                  </a:tcPr>
+                </a:tc>
+                <a:extLst>
+                  <a:ext uri="{0D108BD9-81ED-4DB2-BD59-A6C34878D82A}">
+                    <a16:rowId xmlns:a16="http://schemas.microsoft.com/office/drawing/2014/main" val="2209119933"/>
+                  </a:ext>
+                </a:extLst>
+              </a:tr>
+              <a:tr h="1822388">
                 <a:tc>
                   <a:txBody>
                     <a:bodyPr/>
@@ -4028,21 +3409,7 @@
                     </a:p>
                   </a:txBody>
                   <a:tcPr marL="182880" marR="182880" marT="182880" marB="182880">
-                    <a:lnL w="3175" cap="flat" cmpd="sng" algn="ctr">
-                      <a:noFill/>
-                      <a:prstDash val="solid"/>
-                      <a:round/>
-                      <a:headEnd type="none" w="med" len="med"/>
-                      <a:tailEnd type="none" w="med" len="med"/>
-                    </a:lnL>
-                    <a:lnR w="3175" cap="flat" cmpd="sng" algn="ctr">
-                      <a:noFill/>
-                      <a:prstDash val="solid"/>
-                      <a:round/>
-                      <a:headEnd type="none" w="med" len="med"/>
-                      <a:tailEnd type="none" w="med" len="med"/>
-                    </a:lnR>
-                    <a:lnT w="6350" cap="flat" cmpd="sng" algn="ctr">
+                    <a:lnL w="6350" cap="flat" cmpd="sng" algn="ctr">
                       <a:solidFill>
                         <a:srgbClr val="A7A9B6"/>
                       </a:solidFill>
@@ -4050,8 +3417,8 @@
                       <a:round/>
                       <a:headEnd type="none" w="med" len="med"/>
                       <a:tailEnd type="none" w="med" len="med"/>
-                    </a:lnT>
-                    <a:lnB w="3175" cap="flat" cmpd="sng" algn="ctr">
+                    </a:lnL>
+                    <a:lnR w="6350" cap="flat" cmpd="sng" algn="ctr">
                       <a:solidFill>
                         <a:srgbClr val="A7A9B6"/>
                       </a:solidFill>
@@ -4059,6 +3426,22 @@
                       <a:round/>
                       <a:headEnd type="none" w="med" len="med"/>
                       <a:tailEnd type="none" w="med" len="med"/>
+                    </a:lnR>
+                    <a:lnT w="6350" cap="flat" cmpd="sng" algn="ctr">
+                      <a:noFill/>
+                      <a:prstDash val="solid"/>
+                      <a:round/>
+                      <a:headEnd type="none" w="med" len="med"/>
+                      <a:tailEnd type="none" w="med" len="med"/>
+                    </a:lnT>
+                    <a:lnB w="6350" cap="flat" cmpd="sng" algn="ctr">
+                      <a:solidFill>
+                        <a:srgbClr val="A7A9B6"/>
+                      </a:solidFill>
+                      <a:prstDash val="solid"/>
+                      <a:round/>
+                      <a:headEnd type="none" w="med" len="med"/>
+                      <a:tailEnd type="none" w="med" len="med"/>
                     </a:lnB>
                     <a:lnTlToBr w="12700" cmpd="sng">
                       <a:noFill/>
@@ -4068,9 +3451,7 @@
                       <a:noFill/>
                       <a:prstDash val="solid"/>
                     </a:lnBlToTr>
-                    <a:solidFill>
-                      <a:srgbClr val="E3E3E8"/>
-                    </a:solidFill>
+                    <a:noFill/>
                   </a:tcPr>
                 </a:tc>
                 <a:tc>
@@ -4120,15 +3501,19 @@
                     </a:p>
                   </a:txBody>
                   <a:tcPr marL="0" marR="0" marT="0" marB="0" anchor="ctr">
-                    <a:lnL w="3175" cap="flat" cmpd="sng" algn="ctr">
-                      <a:noFill/>
+                    <a:lnL w="6350" cap="flat" cmpd="sng" algn="ctr">
+                      <a:solidFill>
+                        <a:srgbClr val="A7A9B6"/>
+                      </a:solidFill>
                       <a:prstDash val="solid"/>
                       <a:round/>
                       <a:headEnd type="none" w="med" len="med"/>
                       <a:tailEnd type="none" w="med" len="med"/>
                     </a:lnL>
-                    <a:lnR w="3175" cap="flat" cmpd="sng" algn="ctr">
-                      <a:noFill/>
+                    <a:lnR w="6350" cap="flat" cmpd="sng" algn="ctr">
+                      <a:solidFill>
+                        <a:srgbClr val="A7A9B6"/>
+                      </a:solidFill>
                       <a:prstDash val="solid"/>
                       <a:round/>
                       <a:headEnd type="none" w="med" len="med"/>
@@ -4191,21 +3576,7 @@
                     </a:p>
                   </a:txBody>
                   <a:tcPr marL="182880" marR="182880" marT="182880" marB="182880">
-                    <a:lnL w="3175" cap="flat" cmpd="sng" algn="ctr">
-                      <a:noFill/>
-                      <a:prstDash val="solid"/>
-                      <a:round/>
-                      <a:headEnd type="none" w="med" len="med"/>
-                      <a:tailEnd type="none" w="med" len="med"/>
-                    </a:lnL>
-                    <a:lnR w="3175" cap="flat" cmpd="sng" algn="ctr">
-                      <a:noFill/>
-                      <a:prstDash val="solid"/>
-                      <a:round/>
-                      <a:headEnd type="none" w="med" len="med"/>
-                      <a:tailEnd type="none" w="med" len="med"/>
-                    </a:lnR>
-                    <a:lnT w="3175" cap="flat" cmpd="sng" algn="ctr">
+                    <a:lnL w="6350" cap="flat" cmpd="sng" algn="ctr">
                       <a:solidFill>
                         <a:srgbClr val="A7A9B6"/>
                       </a:solidFill>
@@ -4213,8 +3584,8 @@
                       <a:round/>
                       <a:headEnd type="none" w="med" len="med"/>
                       <a:tailEnd type="none" w="med" len="med"/>
-                    </a:lnT>
-                    <a:lnB w="3175" cap="flat" cmpd="sng" algn="ctr">
+                    </a:lnL>
+                    <a:lnR w="6350" cap="flat" cmpd="sng" algn="ctr">
                       <a:solidFill>
                         <a:srgbClr val="A7A9B6"/>
                       </a:solidFill>
@@ -4222,6 +3593,22 @@
                       <a:round/>
                       <a:headEnd type="none" w="med" len="med"/>
                       <a:tailEnd type="none" w="med" len="med"/>
+                    </a:lnR>
+                    <a:lnT w="6350" cap="flat" cmpd="sng" algn="ctr">
+                      <a:noFill/>
+                      <a:prstDash val="solid"/>
+                      <a:round/>
+                      <a:headEnd type="none" w="med" len="med"/>
+                      <a:tailEnd type="none" w="med" len="med"/>
+                    </a:lnT>
+                    <a:lnB w="6350" cap="flat" cmpd="sng" algn="ctr">
+                      <a:solidFill>
+                        <a:srgbClr val="A7A9B6"/>
+                      </a:solidFill>
+                      <a:prstDash val="solid"/>
+                      <a:round/>
+                      <a:headEnd type="none" w="med" len="med"/>
+                      <a:tailEnd type="none" w="med" len="med"/>
                     </a:lnB>
                     <a:lnTlToBr w="12700" cmpd="sng">
                       <a:noFill/>
@@ -4231,9 +3618,7 @@
                       <a:noFill/>
                       <a:prstDash val="solid"/>
                     </a:lnBlToTr>
-                    <a:solidFill>
-                      <a:srgbClr val="E3E3E8"/>
-                    </a:solidFill>
+                    <a:noFill/>
                   </a:tcPr>
                 </a:tc>
                 <a:extLst>
@@ -4264,7 +3649,7 @@
         </p:nvSpPr>
         <p:spPr>
           <a:xfrm>
-            <a:off x="1746543" y="6146893"/>
+            <a:off x="2984997" y="6144280"/>
             <a:ext cx="1045462" cy="228600"/>
           </a:xfrm>
           <a:prstGeom prst="rect">
@@ -4319,7 +3704,7 @@
         </p:nvSpPr>
         <p:spPr>
           <a:xfrm>
-            <a:off x="2954705" y="6137538"/>
+            <a:off x="596211" y="6137538"/>
             <a:ext cx="1045462" cy="228600"/>
           </a:xfrm>
           <a:prstGeom prst="rect">
@@ -4374,8 +3759,8 @@
         </p:nvSpPr>
         <p:spPr>
           <a:xfrm>
-            <a:off x="4546600" y="2489700"/>
-            <a:ext cx="2278063" cy="1030287"/>
+            <a:off x="5589046" y="1709885"/>
+            <a:ext cx="6180380" cy="647156"/>
           </a:xfrm>
           <a:prstGeom prst="rect">
             <a:avLst/>
@@ -4423,8 +3808,8 @@
         </p:nvSpPr>
         <p:spPr>
           <a:xfrm>
-            <a:off x="9463453" y="2490747"/>
-            <a:ext cx="2278063" cy="1030287"/>
+            <a:off x="5581816" y="3232227"/>
+            <a:ext cx="6200799" cy="653543"/>
           </a:xfrm>
           <a:prstGeom prst="rect">
             <a:avLst/>
@@ -4465,8 +3850,8 @@
         </p:nvSpPr>
         <p:spPr>
           <a:xfrm>
-            <a:off x="7054808" y="2489700"/>
-            <a:ext cx="2186083" cy="1030287"/>
+            <a:off x="5588844" y="2471057"/>
+            <a:ext cx="6193771" cy="647156"/>
           </a:xfrm>
           <a:prstGeom prst="rect">
             <a:avLst/>
@@ -4507,8 +3892,8 @@
         </p:nvSpPr>
         <p:spPr>
           <a:xfrm>
-            <a:off x="4575165" y="4581230"/>
-            <a:ext cx="3351654" cy="1254722"/>
+            <a:off x="4575165" y="4740256"/>
+            <a:ext cx="3351654" cy="1839245"/>
           </a:xfrm>
           <a:prstGeom prst="rect">
             <a:avLst/>
@@ -4549,8 +3934,8 @@
         </p:nvSpPr>
         <p:spPr>
           <a:xfrm>
-            <a:off x="8150162" y="4581230"/>
-            <a:ext cx="3619263" cy="1256596"/>
+            <a:off x="8150162" y="4740257"/>
+            <a:ext cx="3619263" cy="1841992"/>
           </a:xfrm>
           <a:prstGeom prst="rect">
             <a:avLst/>
@@ -6579,8 +5964,8 @@
         </p:nvSpPr>
         <p:spPr>
           <a:xfrm>
-            <a:off x="617107" y="-84485"/>
-            <a:ext cx="2668534" cy="448551"/>
+            <a:off x="617106" y="-84485"/>
+            <a:ext cx="8852897" cy="448551"/>
           </a:xfrm>
           <a:prstGeom prst="rect">
             <a:avLst/>
@@ -6609,7 +5994,7 @@
           <a:p>
             <a:r>
               <a:rPr lang="en-US" dirty="0"/>
-              <a:t>Risk Readiness cont.</a:t>
+              <a:t>Top 20 Risks Overview</a:t>
             </a:r>
           </a:p>
         </p:txBody>
@@ -9796,7 +9181,7 @@
         </p:nvSpPr>
         <p:spPr>
           <a:xfrm>
-            <a:off x="3320608" y="99327"/>
+            <a:off x="9552937" y="99327"/>
             <a:ext cx="913230" cy="228036"/>
           </a:xfrm>
           <a:prstGeom prst="roundRect">
@@ -9883,7 +9268,7 @@
         </p:nvSpPr>
         <p:spPr>
           <a:xfrm>
-            <a:off x="4419801" y="99321"/>
+            <a:off x="10652130" y="99321"/>
             <a:ext cx="922764" cy="228035"/>
           </a:xfrm>
           <a:prstGeom prst="roundRect">
